--- a/LanguageExplore.pptx
+++ b/LanguageExplore.pptx
@@ -1649,7 +1649,7 @@
           <a:p>
             <a:fld id="{9A786BAE-A6F5-4D2E-A78C-2DF7575F3F1E}" type="datetimeFigureOut">
               <a:rPr lang="en-US" smtClean="0"/>
-              <a:t>4/24/2014</a:t>
+              <a:t>4/27/14</a:t>
             </a:fld>
             <a:endParaRPr lang="en-US"/>
           </a:p>
@@ -2754,7 +2754,7 @@
           <a:p>
             <a:fld id="{9A786BAE-A6F5-4D2E-A78C-2DF7575F3F1E}" type="datetimeFigureOut">
               <a:rPr lang="en-US" smtClean="0"/>
-              <a:t>4/24/2014</a:t>
+              <a:t>4/27/14</a:t>
             </a:fld>
             <a:endParaRPr lang="en-US"/>
           </a:p>
@@ -3867,7 +3867,7 @@
           <a:p>
             <a:fld id="{9A786BAE-A6F5-4D2E-A78C-2DF7575F3F1E}" type="datetimeFigureOut">
               <a:rPr lang="en-US" smtClean="0"/>
-              <a:t>4/24/2014</a:t>
+              <a:t>4/27/14</a:t>
             </a:fld>
             <a:endParaRPr lang="en-US"/>
           </a:p>
@@ -4975,7 +4975,7 @@
           <a:p>
             <a:fld id="{9A786BAE-A6F5-4D2E-A78C-2DF7575F3F1E}" type="datetimeFigureOut">
               <a:rPr lang="en-US" smtClean="0"/>
-              <a:t>4/24/2014</a:t>
+              <a:t>4/27/14</a:t>
             </a:fld>
             <a:endParaRPr lang="en-US"/>
           </a:p>
@@ -6568,7 +6568,7 @@
           <a:p>
             <a:fld id="{9A786BAE-A6F5-4D2E-A78C-2DF7575F3F1E}" type="datetimeFigureOut">
               <a:rPr lang="en-US" smtClean="0"/>
-              <a:t>4/24/2014</a:t>
+              <a:t>4/27/14</a:t>
             </a:fld>
             <a:endParaRPr lang="en-US"/>
           </a:p>
@@ -7626,7 +7626,7 @@
           <a:p>
             <a:fld id="{9A786BAE-A6F5-4D2E-A78C-2DF7575F3F1E}" type="datetimeFigureOut">
               <a:rPr lang="en-US" smtClean="0"/>
-              <a:t>4/24/2014</a:t>
+              <a:t>4/27/14</a:t>
             </a:fld>
             <a:endParaRPr lang="en-US"/>
           </a:p>
@@ -8953,7 +8953,7 @@
           <a:p>
             <a:fld id="{9A786BAE-A6F5-4D2E-A78C-2DF7575F3F1E}" type="datetimeFigureOut">
               <a:rPr lang="en-US" smtClean="0"/>
-              <a:t>4/24/2014</a:t>
+              <a:t>4/27/14</a:t>
             </a:fld>
             <a:endParaRPr lang="en-US"/>
           </a:p>
@@ -10090,7 +10090,7 @@
           <a:p>
             <a:fld id="{9A786BAE-A6F5-4D2E-A78C-2DF7575F3F1E}" type="datetimeFigureOut">
               <a:rPr lang="en-US" smtClean="0"/>
-              <a:t>4/24/2014</a:t>
+              <a:t>4/27/14</a:t>
             </a:fld>
             <a:endParaRPr lang="en-US"/>
           </a:p>
@@ -11146,7 +11146,7 @@
           <a:p>
             <a:fld id="{9A786BAE-A6F5-4D2E-A78C-2DF7575F3F1E}" type="datetimeFigureOut">
               <a:rPr lang="en-US" smtClean="0"/>
-              <a:t>4/24/2014</a:t>
+              <a:t>4/27/14</a:t>
             </a:fld>
             <a:endParaRPr lang="en-US"/>
           </a:p>
@@ -12184,7 +12184,7 @@
           <a:p>
             <a:fld id="{9A786BAE-A6F5-4D2E-A78C-2DF7575F3F1E}" type="datetimeFigureOut">
               <a:rPr lang="en-US" smtClean="0"/>
-              <a:t>4/24/2014</a:t>
+              <a:t>4/27/14</a:t>
             </a:fld>
             <a:endParaRPr lang="en-US"/>
           </a:p>
@@ -13419,7 +13419,7 @@
           <a:p>
             <a:fld id="{9A786BAE-A6F5-4D2E-A78C-2DF7575F3F1E}" type="datetimeFigureOut">
               <a:rPr lang="en-US" smtClean="0"/>
-              <a:t>4/24/2014</a:t>
+              <a:t>4/27/14</a:t>
             </a:fld>
             <a:endParaRPr lang="en-US"/>
           </a:p>
@@ -13772,7 +13772,7 @@
           <a:p>
             <a:fld id="{9A786BAE-A6F5-4D2E-A78C-2DF7575F3F1E}" type="datetimeFigureOut">
               <a:rPr lang="en-US" smtClean="0"/>
-              <a:t>4/24/2014</a:t>
+              <a:t>4/27/14</a:t>
             </a:fld>
             <a:endParaRPr lang="en-US"/>
           </a:p>
@@ -14331,11 +14331,11 @@
   <p:clrMapOvr>
     <a:masterClrMapping/>
   </p:clrMapOvr>
-  <mc:AlternateContent xmlns:mc="http://schemas.openxmlformats.org/markup-compatibility/2006">
-    <mc:Choice xmlns:p14="http://schemas.microsoft.com/office/powerpoint/2010/main" Requires="p14">
+  <mc:AlternateContent xmlns:mc="http://schemas.openxmlformats.org/markup-compatibility/2006" xmlns:p14="http://schemas.microsoft.com/office/powerpoint/2010/main">
+    <mc:Choice Requires="p14">
       <p:transition spd="slow" p14:dur="2000"/>
     </mc:Choice>
-    <mc:Fallback>
+    <mc:Fallback xmlns="">
       <p:transition spd="slow"/>
     </mc:Fallback>
   </mc:AlternateContent>
@@ -14394,37 +14394,39 @@
         </p:nvSpPr>
         <p:spPr/>
         <p:txBody>
-          <a:bodyPr/>
+          <a:bodyPr>
+            <a:normAutofit/>
+          </a:bodyPr>
           <a:lstStyle/>
           <a:p>
             <a:r>
-              <a:rPr lang="en-US" dirty="0" err="1" smtClean="0"/>
+              <a:rPr lang="en-US" sz="2800" dirty="0" err="1" smtClean="0"/>
               <a:t>AutoIt</a:t>
             </a:r>
             <a:r>
-              <a:rPr lang="en-US" dirty="0" smtClean="0"/>
+              <a:rPr lang="en-US" sz="2800" dirty="0" smtClean="0"/>
               <a:t> is an automation language built for Microsoft Windows</a:t>
             </a:r>
           </a:p>
           <a:p>
             <a:r>
-              <a:rPr lang="en-US" dirty="0" smtClean="0"/>
+              <a:rPr lang="en-US" sz="2800" dirty="0" smtClean="0"/>
               <a:t>It was started in 1998</a:t>
             </a:r>
           </a:p>
           <a:p>
             <a:r>
-              <a:rPr lang="en-US" dirty="0" smtClean="0"/>
+              <a:rPr lang="en-US" sz="2800" dirty="0" smtClean="0"/>
               <a:t>Its initial reason for development was to automate a machine build process</a:t>
             </a:r>
           </a:p>
           <a:p>
             <a:pPr lvl="1"/>
             <a:r>
-              <a:rPr lang="en-US" dirty="0" smtClean="0"/>
+              <a:rPr lang="en-US" sz="2400" dirty="0" smtClean="0"/>
               <a:t>Silently install several applications</a:t>
             </a:r>
-            <a:endParaRPr lang="en-US" dirty="0"/>
+            <a:endParaRPr lang="en-US" sz="2400" dirty="0"/>
           </a:p>
         </p:txBody>
       </p:sp>
@@ -14438,11 +14440,11 @@
   <p:clrMapOvr>
     <a:masterClrMapping/>
   </p:clrMapOvr>
-  <mc:AlternateContent xmlns:mc="http://schemas.openxmlformats.org/markup-compatibility/2006">
-    <mc:Choice xmlns:p14="http://schemas.microsoft.com/office/powerpoint/2010/main" Requires="p14">
+  <mc:AlternateContent xmlns:mc="http://schemas.openxmlformats.org/markup-compatibility/2006" xmlns:p14="http://schemas.microsoft.com/office/powerpoint/2010/main">
+    <mc:Choice Requires="p14">
       <p:transition spd="slow" p14:dur="2000"/>
     </mc:Choice>
-    <mc:Fallback>
+    <mc:Fallback xmlns="">
       <p:transition spd="slow"/>
     </mc:Fallback>
   </mc:AlternateContent>
@@ -15674,11 +15676,11 @@
   <p:clrMapOvr>
     <a:masterClrMapping/>
   </p:clrMapOvr>
-  <mc:AlternateContent xmlns:mc="http://schemas.openxmlformats.org/markup-compatibility/2006">
-    <mc:Choice xmlns:p14="http://schemas.microsoft.com/office/powerpoint/2010/main" Requires="p14">
+  <mc:AlternateContent xmlns:mc="http://schemas.openxmlformats.org/markup-compatibility/2006" xmlns:p14="http://schemas.microsoft.com/office/powerpoint/2010/main">
+    <mc:Choice Requires="p14">
       <p:transition spd="slow" p14:dur="2000"/>
     </mc:Choice>
-    <mc:Fallback>
+    <mc:Fallback xmlns="">
       <p:transition spd="slow"/>
     </mc:Fallback>
   </mc:AlternateContent>
@@ -16842,11 +16844,11 @@
   <p:clrMapOvr>
     <a:masterClrMapping/>
   </p:clrMapOvr>
-  <mc:AlternateContent xmlns:mc="http://schemas.openxmlformats.org/markup-compatibility/2006">
-    <mc:Choice xmlns:p14="http://schemas.microsoft.com/office/powerpoint/2010/main" Requires="p14">
+  <mc:AlternateContent xmlns:mc="http://schemas.openxmlformats.org/markup-compatibility/2006" xmlns:p14="http://schemas.microsoft.com/office/powerpoint/2010/main">
+    <mc:Choice Requires="p14">
       <p:transition spd="slow" p14:dur="2000"/>
     </mc:Choice>
-    <mc:Fallback>
+    <mc:Fallback xmlns="">
       <p:transition spd="slow"/>
     </mc:Fallback>
   </mc:AlternateContent>
@@ -16885,7 +16887,11 @@
           <a:bodyPr/>
           <a:lstStyle/>
           <a:p>
-            <a:endParaRPr lang="en-US"/>
+            <a:r>
+              <a:rPr lang="en-US" dirty="0" err="1" smtClean="0"/>
+              <a:t>Datatypes</a:t>
+            </a:r>
+            <a:endParaRPr lang="en-US" dirty="0"/>
           </a:p>
         </p:txBody>
       </p:sp>
@@ -16901,10 +16907,119 @@
         </p:nvSpPr>
         <p:spPr/>
         <p:txBody>
-          <a:bodyPr/>
+          <a:bodyPr>
+            <a:noAutofit/>
+          </a:bodyPr>
           <a:lstStyle/>
           <a:p>
-            <a:endParaRPr lang="en-US"/>
+            <a:r>
+              <a:rPr lang="en-US" sz="2400" dirty="0" smtClean="0"/>
+              <a:t>There </a:t>
+            </a:r>
+            <a:r>
+              <a:rPr lang="en-US" sz="2400" dirty="0" smtClean="0"/>
+              <a:t>i</a:t>
+            </a:r>
+            <a:r>
+              <a:rPr lang="en-US" sz="2400" dirty="0" smtClean="0"/>
+              <a:t>s only a single </a:t>
+            </a:r>
+            <a:r>
+              <a:rPr lang="en-US" sz="2400" dirty="0" err="1" smtClean="0"/>
+              <a:t>datatyp</a:t>
+            </a:r>
+            <a:r>
+              <a:rPr lang="en-US" sz="2400" dirty="0" err="1" smtClean="0"/>
+              <a:t>e</a:t>
+            </a:r>
+            <a:r>
+              <a:rPr lang="en-US" sz="2400" dirty="0" smtClean="0"/>
+              <a:t> (c</a:t>
+            </a:r>
+            <a:r>
+              <a:rPr lang="en-US" sz="2400" dirty="0" smtClean="0"/>
+              <a:t>alled a Variant)</a:t>
+            </a:r>
+          </a:p>
+          <a:p>
+            <a:r>
+              <a:rPr lang="en-US" sz="2400" dirty="0" smtClean="0"/>
+              <a:t>A Variant can contain either numeric or string data</a:t>
+            </a:r>
+          </a:p>
+          <a:p>
+            <a:pPr lvl="1"/>
+            <a:r>
+              <a:rPr lang="en-US" sz="1800" dirty="0" err="1" smtClean="0"/>
+              <a:t>AutoIt</a:t>
+            </a:r>
+            <a:r>
+              <a:rPr lang="en-US" sz="1800" dirty="0" smtClean="0"/>
+              <a:t> is weakly typed</a:t>
+            </a:r>
+          </a:p>
+          <a:p>
+            <a:pPr lvl="2"/>
+            <a:r>
+              <a:rPr lang="en-US" sz="1600" dirty="0" smtClean="0"/>
+              <a:t>Don’t have to specify what each variable will store</a:t>
+            </a:r>
+          </a:p>
+          <a:p>
+            <a:pPr lvl="2"/>
+            <a:r>
+              <a:rPr lang="en-US" sz="1600" dirty="0" err="1" smtClean="0"/>
+              <a:t>AutoIt</a:t>
+            </a:r>
+            <a:r>
+              <a:rPr lang="en-US" sz="1600" dirty="0" smtClean="0"/>
+              <a:t> will decide how to use the data depending on situation</a:t>
+            </a:r>
+            <a:endParaRPr lang="en-US" sz="1800" dirty="0" smtClean="0"/>
+          </a:p>
+          <a:p>
+            <a:r>
+              <a:rPr lang="en-US" sz="2400" dirty="0" smtClean="0"/>
+              <a:t>Example:</a:t>
+            </a:r>
+          </a:p>
+          <a:p>
+            <a:pPr lvl="1"/>
+            <a:r>
+              <a:rPr lang="en-US" sz="1800" dirty="0" smtClean="0"/>
+              <a:t>10 * 20 equals the number 200</a:t>
+            </a:r>
+          </a:p>
+          <a:p>
+            <a:pPr lvl="1"/>
+            <a:r>
+              <a:rPr lang="en-US" sz="1800" dirty="0" smtClean="0"/>
+              <a:t>10 * “20” equals the number 200</a:t>
+            </a:r>
+          </a:p>
+          <a:p>
+            <a:pPr lvl="1"/>
+            <a:r>
+              <a:rPr lang="en-US" sz="1800" dirty="0" smtClean="0"/>
+              <a:t>“10” * “20</a:t>
+            </a:r>
+            <a:r>
+              <a:rPr lang="en-US" sz="1800" dirty="0" smtClean="0"/>
+              <a:t>” equals the number 200</a:t>
+            </a:r>
+          </a:p>
+          <a:p>
+            <a:pPr lvl="1"/>
+            <a:r>
+              <a:rPr lang="en-US" sz="1800" dirty="0" smtClean="0"/>
+              <a:t>10 &amp; 20 equals the string “1020”</a:t>
+            </a:r>
+          </a:p>
+          <a:p>
+            <a:pPr marL="468630" lvl="1" indent="0">
+              <a:buNone/>
+            </a:pPr>
+            <a:endParaRPr lang="en-US" sz="1800" dirty="0"/>
           </a:p>
         </p:txBody>
       </p:sp>

--- a/LanguageExplore.pptx
+++ b/LanguageExplore.pptx
@@ -10,6 +10,9 @@
     <p:sldId id="259" r:id="rId4"/>
     <p:sldId id="258" r:id="rId5"/>
     <p:sldId id="260" r:id="rId6"/>
+    <p:sldId id="261" r:id="rId7"/>
+    <p:sldId id="262" r:id="rId8"/>
+    <p:sldId id="263" r:id="rId9"/>
   </p:sldIdLst>
   <p:sldSz cx="9144000" cy="6858000" type="screen4x3"/>
   <p:notesSz cx="6858000" cy="9144000"/>
@@ -14274,9 +14277,21 @@
           <a:p>
             <a:r>
               <a:rPr lang="en-US" dirty="0" err="1" smtClean="0"/>
-              <a:t>AutoIt</a:t>
-            </a:r>
-            <a:endParaRPr lang="en-US" dirty="0"/>
+              <a:t>A</a:t>
+            </a:r>
+            <a:r>
+              <a:rPr lang="en-US" cap="none" dirty="0" err="1" smtClean="0"/>
+              <a:t>uto</a:t>
+            </a:r>
+            <a:r>
+              <a:rPr lang="en-US" dirty="0" err="1" smtClean="0"/>
+              <a:t>I</a:t>
+            </a:r>
+            <a:r>
+              <a:rPr lang="en-US" cap="none" dirty="0" err="1" smtClean="0"/>
+              <a:t>t</a:t>
+            </a:r>
+            <a:endParaRPr lang="en-US" cap="none" dirty="0"/>
           </a:p>
         </p:txBody>
       </p:sp>
@@ -14411,20 +14426,53 @@
           <a:p>
             <a:r>
               <a:rPr lang="en-US" sz="2800" dirty="0" smtClean="0"/>
-              <a:t>It was started in 1998</a:t>
-            </a:r>
-          </a:p>
-          <a:p>
+              <a:t>It was </a:t>
+            </a:r>
             <a:r>
               <a:rPr lang="en-US" sz="2800" dirty="0" smtClean="0"/>
-              <a:t>Its initial reason for development was to automate a machine build process</a:t>
-            </a:r>
+              <a:t>created by Jonathan </a:t>
+            </a:r>
+            <a:r>
+              <a:rPr lang="en-US" sz="2800" dirty="0" err="1" smtClean="0"/>
+              <a:t>Bennet</a:t>
+            </a:r>
+            <a:endParaRPr lang="en-US" sz="2800" dirty="0" smtClean="0"/>
           </a:p>
           <a:p>
             <a:pPr lvl="1"/>
             <a:r>
               <a:rPr lang="en-US" sz="2400" dirty="0" smtClean="0"/>
-              <a:t>Silently install several applications</a:t>
+              <a:t>Started the project in </a:t>
+            </a:r>
+            <a:r>
+              <a:rPr lang="en-US" sz="2400" dirty="0" smtClean="0"/>
+              <a:t>1998</a:t>
+            </a:r>
+          </a:p>
+          <a:p>
+            <a:r>
+              <a:rPr lang="en-US" sz="2800" dirty="0" smtClean="0"/>
+              <a:t>Its initial reason for development was to automate </a:t>
+            </a:r>
+            <a:r>
+              <a:rPr lang="en-US" sz="2800" dirty="0" smtClean="0"/>
+              <a:t>the </a:t>
+            </a:r>
+            <a:r>
+              <a:rPr lang="en-US" sz="2800" dirty="0" smtClean="0"/>
+              <a:t>build process for a machine</a:t>
+            </a:r>
+            <a:endParaRPr lang="en-US" sz="2800" dirty="0" smtClean="0"/>
+          </a:p>
+          <a:p>
+            <a:pPr lvl="1"/>
+            <a:r>
+              <a:rPr lang="en-US" sz="2400" dirty="0" smtClean="0"/>
+              <a:t>Ex. to silently </a:t>
+            </a:r>
+            <a:r>
+              <a:rPr lang="en-US" sz="2400" dirty="0" smtClean="0"/>
+              <a:t>install several applications</a:t>
             </a:r>
             <a:endParaRPr lang="en-US" sz="2400" dirty="0"/>
           </a:p>
@@ -14485,7 +14533,7 @@
           <a:p>
             <a:r>
               <a:rPr lang="en-US" dirty="0" smtClean="0"/>
-              <a:t>Code</a:t>
+              <a:t>Code examples</a:t>
             </a:r>
             <a:endParaRPr lang="en-US" dirty="0"/>
           </a:p>
@@ -14499,7 +14547,7 @@
         </p:nvSpPr>
         <p:spPr>
           <a:xfrm>
-            <a:off x="381000" y="2620255"/>
+            <a:off x="381000" y="2874402"/>
             <a:ext cx="4088170" cy="2585323"/>
           </a:xfrm>
           <a:prstGeom prst="rect">
@@ -15198,7 +15246,7 @@
         </p:nvSpPr>
         <p:spPr>
           <a:xfrm>
-            <a:off x="381000" y="2108053"/>
+            <a:off x="381000" y="2362200"/>
             <a:ext cx="3581173" cy="461665"/>
           </a:xfrm>
           <a:prstGeom prst="rect">
@@ -15228,7 +15276,7 @@
         </p:nvSpPr>
         <p:spPr>
           <a:xfrm>
-            <a:off x="4814774" y="2612616"/>
+            <a:off x="4814774" y="2866763"/>
             <a:ext cx="3764941" cy="923330"/>
           </a:xfrm>
           <a:prstGeom prst="rect">
@@ -15412,7 +15460,7 @@
         </p:nvSpPr>
         <p:spPr>
           <a:xfrm>
-            <a:off x="4814774" y="2108053"/>
+            <a:off x="4814774" y="2362200"/>
             <a:ext cx="3988977" cy="461665"/>
           </a:xfrm>
           <a:prstGeom prst="rect">
@@ -15442,7 +15490,7 @@
         </p:nvSpPr>
         <p:spPr>
           <a:xfrm>
-            <a:off x="4814774" y="4559247"/>
+            <a:off x="4814774" y="4813394"/>
             <a:ext cx="3764941" cy="646331"/>
           </a:xfrm>
           <a:prstGeom prst="rect">
@@ -15638,7 +15686,7 @@
         </p:nvSpPr>
         <p:spPr>
           <a:xfrm>
-            <a:off x="4805913" y="3723554"/>
+            <a:off x="4805913" y="3977701"/>
             <a:ext cx="3734227" cy="830997"/>
           </a:xfrm>
           <a:prstGeom prst="rect">
@@ -15661,6 +15709,44 @@
             <a:r>
               <a:rPr lang="en-US" sz="2400" dirty="0" smtClean="0"/>
               <a:t>play an annoying sound</a:t>
+            </a:r>
+            <a:endParaRPr lang="en-US" sz="2400" dirty="0"/>
+          </a:p>
+        </p:txBody>
+      </p:sp>
+      <p:sp>
+        <p:nvSpPr>
+          <p:cNvPr id="12" name="Content Placeholder 2"/>
+          <p:cNvSpPr>
+            <a:spLocks noGrp="1"/>
+          </p:cNvSpPr>
+          <p:nvPr>
+            <p:ph idx="1"/>
+          </p:nvPr>
+        </p:nvSpPr>
+        <p:spPr>
+          <a:xfrm>
+            <a:off x="457200" y="1600200"/>
+            <a:ext cx="8001000" cy="762000"/>
+          </a:xfrm>
+        </p:spPr>
+        <p:txBody>
+          <a:bodyPr>
+            <a:normAutofit/>
+          </a:bodyPr>
+          <a:lstStyle/>
+          <a:p>
+            <a:r>
+              <a:rPr lang="en-US" sz="2800" dirty="0" smtClean="0"/>
+              <a:t>The syntax of </a:t>
+            </a:r>
+            <a:r>
+              <a:rPr lang="en-US" sz="2800" dirty="0" err="1" smtClean="0"/>
+              <a:t>AutoIt</a:t>
+            </a:r>
+            <a:r>
+              <a:rPr lang="en-US" sz="2800" dirty="0" smtClean="0"/>
+              <a:t> is based on the language BASIC</a:t>
             </a:r>
             <a:endParaRPr lang="en-US" sz="2400" dirty="0"/>
           </a:p>
@@ -15721,7 +15807,7 @@
           <a:p>
             <a:r>
               <a:rPr lang="en-US" dirty="0" smtClean="0"/>
-              <a:t>Code</a:t>
+              <a:t>Code examples (cont.)</a:t>
             </a:r>
             <a:endParaRPr lang="en-US" dirty="0"/>
           </a:p>
@@ -15735,7 +15821,7 @@
         </p:nvSpPr>
         <p:spPr>
           <a:xfrm>
-            <a:off x="609600" y="1985665"/>
+            <a:off x="609600" y="1833265"/>
             <a:ext cx="7848600" cy="3970318"/>
           </a:xfrm>
           <a:prstGeom prst="rect">
@@ -16812,7 +16898,7 @@
         </p:nvSpPr>
         <p:spPr>
           <a:xfrm>
-            <a:off x="609600" y="1524000"/>
+            <a:off x="609600" y="1371600"/>
             <a:ext cx="3588546" cy="461665"/>
           </a:xfrm>
           <a:prstGeom prst="rect">
@@ -16944,18 +17030,54 @@
           <a:p>
             <a:r>
               <a:rPr lang="en-US" sz="2400" dirty="0" smtClean="0"/>
-              <a:t>A Variant can contain either numeric or string data</a:t>
+              <a:t>A Variant can contain </a:t>
+            </a:r>
+            <a:r>
+              <a:rPr lang="en-US" sz="2400" dirty="0" smtClean="0"/>
+              <a:t>any kind of </a:t>
+            </a:r>
+            <a:r>
+              <a:rPr lang="en-US" sz="2400" dirty="0" smtClean="0"/>
+              <a:t>data (ex. </a:t>
+            </a:r>
+            <a:r>
+              <a:rPr lang="en-US" sz="2400" dirty="0" err="1"/>
+              <a:t>i</a:t>
+            </a:r>
+            <a:r>
+              <a:rPr lang="en-US" sz="2400" dirty="0" err="1" smtClean="0"/>
+              <a:t>nt</a:t>
+            </a:r>
+            <a:r>
+              <a:rPr lang="en-US" sz="2400" dirty="0" smtClean="0"/>
+              <a:t>, string, </a:t>
+            </a:r>
+            <a:r>
+              <a:rPr lang="en-US" sz="2400" dirty="0" err="1"/>
+              <a:t>b</a:t>
+            </a:r>
+            <a:r>
+              <a:rPr lang="en-US" sz="2400" dirty="0" err="1" smtClean="0"/>
+              <a:t>ool</a:t>
+            </a:r>
+            <a:r>
+              <a:rPr lang="en-US" sz="2400" dirty="0" smtClean="0"/>
+              <a:t>)</a:t>
             </a:r>
           </a:p>
           <a:p>
             <a:pPr lvl="1"/>
+            <a:r>
+              <a:rPr lang="en-US" sz="1800" dirty="0" smtClean="0"/>
+              <a:t>This makes </a:t>
+            </a:r>
             <a:r>
               <a:rPr lang="en-US" sz="1800" dirty="0" err="1" smtClean="0"/>
               <a:t>AutoIt</a:t>
             </a:r>
             <a:r>
               <a:rPr lang="en-US" sz="1800" dirty="0" smtClean="0"/>
-              <a:t> is weakly typed</a:t>
+              <a:t> weakly typed</a:t>
             </a:r>
           </a:p>
           <a:p>
@@ -16980,7 +17102,7 @@
           <a:p>
             <a:r>
               <a:rPr lang="en-US" sz="2400" dirty="0" smtClean="0"/>
-              <a:t>Example:</a:t>
+              <a:t>Ex.</a:t>
             </a:r>
           </a:p>
           <a:p>
@@ -17027,6 +17149,374 @@
     <p:extLst>
       <p:ext uri="{BB962C8B-B14F-4D97-AF65-F5344CB8AC3E}">
         <p14:creationId xmlns:p14="http://schemas.microsoft.com/office/powerpoint/2010/main" val="1304050691"/>
+      </p:ext>
+    </p:extLst>
+  </p:cSld>
+  <p:clrMapOvr>
+    <a:masterClrMapping/>
+  </p:clrMapOvr>
+</p:sld>
+</file>
+
+<file path=ppt/slides/slide6.xml><?xml version="1.0" encoding="utf-8"?>
+<p:sld xmlns:a="http://schemas.openxmlformats.org/drawingml/2006/main" xmlns:r="http://schemas.openxmlformats.org/officeDocument/2006/relationships" xmlns:p="http://schemas.openxmlformats.org/presentationml/2006/main">
+  <p:cSld>
+    <p:spTree>
+      <p:nvGrpSpPr>
+        <p:cNvPr id="1" name=""/>
+        <p:cNvGrpSpPr/>
+        <p:nvPr/>
+      </p:nvGrpSpPr>
+      <p:grpSpPr>
+        <a:xfrm>
+          <a:off x="0" y="0"/>
+          <a:ext cx="0" cy="0"/>
+          <a:chOff x="0" y="0"/>
+          <a:chExt cx="0" cy="0"/>
+        </a:xfrm>
+      </p:grpSpPr>
+      <p:sp>
+        <p:nvSpPr>
+          <p:cNvPr id="2" name="Title 1"/>
+          <p:cNvSpPr>
+            <a:spLocks noGrp="1"/>
+          </p:cNvSpPr>
+          <p:nvPr>
+            <p:ph type="title"/>
+          </p:nvPr>
+        </p:nvSpPr>
+        <p:spPr/>
+        <p:txBody>
+          <a:bodyPr/>
+          <a:lstStyle/>
+          <a:p>
+            <a:r>
+              <a:rPr lang="en-US" dirty="0" smtClean="0"/>
+              <a:t>VARIABLES</a:t>
+            </a:r>
+            <a:endParaRPr lang="en-US" dirty="0"/>
+          </a:p>
+        </p:txBody>
+      </p:sp>
+      <p:sp>
+        <p:nvSpPr>
+          <p:cNvPr id="3" name="Content Placeholder 2"/>
+          <p:cNvSpPr>
+            <a:spLocks noGrp="1"/>
+          </p:cNvSpPr>
+          <p:nvPr>
+            <p:ph idx="1"/>
+          </p:nvPr>
+        </p:nvSpPr>
+        <p:spPr/>
+        <p:txBody>
+          <a:bodyPr>
+            <a:normAutofit/>
+          </a:bodyPr>
+          <a:lstStyle/>
+          <a:p>
+            <a:r>
+              <a:rPr lang="en-US" sz="2400" dirty="0" smtClean="0"/>
+              <a:t>All variable names begin with a dollar sign character ($)</a:t>
+            </a:r>
+          </a:p>
+          <a:p>
+            <a:r>
+              <a:rPr lang="en-US" sz="2400" dirty="0" smtClean="0"/>
+              <a:t>Scope declaration is optional</a:t>
+            </a:r>
+          </a:p>
+          <a:p>
+            <a:pPr lvl="1"/>
+            <a:r>
+              <a:rPr lang="en-US" sz="1800" dirty="0" smtClean="0"/>
+              <a:t>Explicit declaration</a:t>
+            </a:r>
+            <a:r>
+              <a:rPr lang="en-US" dirty="0" smtClean="0"/>
+              <a:t> </a:t>
+            </a:r>
+            <a:r>
+              <a:rPr lang="en-US" sz="1800" dirty="0" smtClean="0"/>
+              <a:t>– declare the variable and its scope before use</a:t>
+            </a:r>
+          </a:p>
+          <a:p>
+            <a:pPr lvl="2"/>
+            <a:r>
+              <a:rPr lang="en-US" sz="1600" dirty="0" smtClean="0"/>
+              <a:t>Local $</a:t>
+            </a:r>
+            <a:r>
+              <a:rPr lang="en-US" sz="1600" dirty="0" err="1" smtClean="0"/>
+              <a:t>varName</a:t>
+            </a:r>
+            <a:endParaRPr lang="en-US" sz="1600" dirty="0" smtClean="0"/>
+          </a:p>
+          <a:p>
+            <a:pPr lvl="2"/>
+            <a:r>
+              <a:rPr lang="en-US" sz="1600" dirty="0" smtClean="0"/>
+              <a:t>Global $</a:t>
+            </a:r>
+            <a:r>
+              <a:rPr lang="en-US" sz="1600" dirty="0" err="1" smtClean="0"/>
+              <a:t>varName</a:t>
+            </a:r>
+            <a:endParaRPr lang="en-US" sz="1600" dirty="0" smtClean="0"/>
+          </a:p>
+          <a:p>
+            <a:pPr lvl="2"/>
+            <a:r>
+              <a:rPr lang="en-US" sz="1600" dirty="0" err="1" smtClean="0"/>
+              <a:t>Const</a:t>
+            </a:r>
+            <a:r>
+              <a:rPr lang="en-US" sz="1600" dirty="0" smtClean="0"/>
+              <a:t> $</a:t>
+            </a:r>
+            <a:r>
+              <a:rPr lang="en-US" sz="1600" dirty="0" err="1" smtClean="0"/>
+              <a:t>myConst</a:t>
+            </a:r>
+            <a:r>
+              <a:rPr lang="en-US" sz="1600" dirty="0" smtClean="0"/>
+              <a:t> = 4</a:t>
+            </a:r>
+          </a:p>
+          <a:p>
+            <a:pPr lvl="2"/>
+            <a:r>
+              <a:rPr lang="en-US" sz="1600" dirty="0" err="1" smtClean="0"/>
+              <a:t>Enum</a:t>
+            </a:r>
+            <a:r>
+              <a:rPr lang="en-US" sz="1600" dirty="0" smtClean="0"/>
+              <a:t> Step 2 $myEnum1, $myEnum2, $myEnum3</a:t>
+            </a:r>
+          </a:p>
+          <a:p>
+            <a:pPr lvl="1"/>
+            <a:r>
+              <a:rPr lang="en-US" sz="1800" dirty="0" smtClean="0"/>
+              <a:t>Implicit declaration – assign a variable without declaring it</a:t>
+            </a:r>
+          </a:p>
+          <a:p>
+            <a:pPr lvl="2"/>
+            <a:r>
+              <a:rPr lang="en-US" sz="1600" dirty="0" smtClean="0"/>
+              <a:t>$</a:t>
+            </a:r>
+            <a:r>
+              <a:rPr lang="en-US" sz="1600" dirty="0" err="1" smtClean="0"/>
+              <a:t>varName</a:t>
+            </a:r>
+            <a:r>
+              <a:rPr lang="en-US" sz="1600" dirty="0" smtClean="0"/>
+              <a:t> = “Hello World”</a:t>
+            </a:r>
+          </a:p>
+          <a:p>
+            <a:pPr marL="468630" lvl="1" indent="0">
+              <a:buNone/>
+            </a:pPr>
+            <a:endParaRPr lang="en-US" sz="2000" dirty="0"/>
+          </a:p>
+        </p:txBody>
+      </p:sp>
+    </p:spTree>
+    <p:extLst>
+      <p:ext uri="{BB962C8B-B14F-4D97-AF65-F5344CB8AC3E}">
+        <p14:creationId xmlns:p14="http://schemas.microsoft.com/office/powerpoint/2010/main" val="560829331"/>
+      </p:ext>
+    </p:extLst>
+  </p:cSld>
+  <p:clrMapOvr>
+    <a:masterClrMapping/>
+  </p:clrMapOvr>
+</p:sld>
+</file>
+
+<file path=ppt/slides/slide7.xml><?xml version="1.0" encoding="utf-8"?>
+<p:sld xmlns:a="http://schemas.openxmlformats.org/drawingml/2006/main" xmlns:r="http://schemas.openxmlformats.org/officeDocument/2006/relationships" xmlns:p="http://schemas.openxmlformats.org/presentationml/2006/main">
+  <p:cSld>
+    <p:spTree>
+      <p:nvGrpSpPr>
+        <p:cNvPr id="1" name=""/>
+        <p:cNvGrpSpPr/>
+        <p:nvPr/>
+      </p:nvGrpSpPr>
+      <p:grpSpPr>
+        <a:xfrm>
+          <a:off x="0" y="0"/>
+          <a:ext cx="0" cy="0"/>
+          <a:chOff x="0" y="0"/>
+          <a:chExt cx="0" cy="0"/>
+        </a:xfrm>
+      </p:grpSpPr>
+      <p:sp>
+        <p:nvSpPr>
+          <p:cNvPr id="2" name="Title 1"/>
+          <p:cNvSpPr>
+            <a:spLocks noGrp="1"/>
+          </p:cNvSpPr>
+          <p:nvPr>
+            <p:ph type="title"/>
+          </p:nvPr>
+        </p:nvSpPr>
+        <p:spPr/>
+        <p:txBody>
+          <a:bodyPr/>
+          <a:lstStyle/>
+          <a:p>
+            <a:r>
+              <a:rPr lang="en-US" dirty="0" smtClean="0"/>
+              <a:t>CLASSES</a:t>
+            </a:r>
+            <a:endParaRPr lang="en-US" dirty="0"/>
+          </a:p>
+        </p:txBody>
+      </p:sp>
+      <p:sp>
+        <p:nvSpPr>
+          <p:cNvPr id="3" name="Content Placeholder 2"/>
+          <p:cNvSpPr>
+            <a:spLocks noGrp="1"/>
+          </p:cNvSpPr>
+          <p:nvPr>
+            <p:ph idx="1"/>
+          </p:nvPr>
+        </p:nvSpPr>
+        <p:spPr/>
+        <p:txBody>
+          <a:bodyPr/>
+          <a:lstStyle/>
+          <a:p>
+            <a:r>
+              <a:rPr lang="en-US" dirty="0" err="1" smtClean="0"/>
+              <a:t>AutoIt</a:t>
+            </a:r>
+            <a:r>
+              <a:rPr lang="en-US" dirty="0" smtClean="0"/>
+              <a:t> is a scripting language</a:t>
+            </a:r>
+          </a:p>
+          <a:p>
+            <a:r>
+              <a:rPr lang="en-US" dirty="0" smtClean="0"/>
+              <a:t>There are no classes</a:t>
+            </a:r>
+          </a:p>
+        </p:txBody>
+      </p:sp>
+    </p:spTree>
+    <p:extLst>
+      <p:ext uri="{BB962C8B-B14F-4D97-AF65-F5344CB8AC3E}">
+        <p14:creationId xmlns:p14="http://schemas.microsoft.com/office/powerpoint/2010/main" val="2472168404"/>
+      </p:ext>
+    </p:extLst>
+  </p:cSld>
+  <p:clrMapOvr>
+    <a:masterClrMapping/>
+  </p:clrMapOvr>
+</p:sld>
+</file>
+
+<file path=ppt/slides/slide8.xml><?xml version="1.0" encoding="utf-8"?>
+<p:sld xmlns:a="http://schemas.openxmlformats.org/drawingml/2006/main" xmlns:r="http://schemas.openxmlformats.org/officeDocument/2006/relationships" xmlns:p="http://schemas.openxmlformats.org/presentationml/2006/main">
+  <p:cSld>
+    <p:spTree>
+      <p:nvGrpSpPr>
+        <p:cNvPr id="1" name=""/>
+        <p:cNvGrpSpPr/>
+        <p:nvPr/>
+      </p:nvGrpSpPr>
+      <p:grpSpPr>
+        <a:xfrm>
+          <a:off x="0" y="0"/>
+          <a:ext cx="0" cy="0"/>
+          <a:chOff x="0" y="0"/>
+          <a:chExt cx="0" cy="0"/>
+        </a:xfrm>
+      </p:grpSpPr>
+      <p:sp>
+        <p:nvSpPr>
+          <p:cNvPr id="2" name="Title 1"/>
+          <p:cNvSpPr>
+            <a:spLocks noGrp="1"/>
+          </p:cNvSpPr>
+          <p:nvPr>
+            <p:ph type="title"/>
+          </p:nvPr>
+        </p:nvSpPr>
+        <p:spPr/>
+        <p:txBody>
+          <a:bodyPr/>
+          <a:lstStyle/>
+          <a:p>
+            <a:r>
+              <a:rPr lang="en-US" dirty="0" smtClean="0"/>
+              <a:t>compilation</a:t>
+            </a:r>
+            <a:endParaRPr lang="en-US" dirty="0"/>
+          </a:p>
+        </p:txBody>
+      </p:sp>
+      <p:sp>
+        <p:nvSpPr>
+          <p:cNvPr id="3" name="Content Placeholder 2"/>
+          <p:cNvSpPr>
+            <a:spLocks noGrp="1"/>
+          </p:cNvSpPr>
+          <p:nvPr>
+            <p:ph idx="1"/>
+          </p:nvPr>
+        </p:nvSpPr>
+        <p:spPr/>
+        <p:txBody>
+          <a:bodyPr>
+            <a:normAutofit/>
+          </a:bodyPr>
+          <a:lstStyle/>
+          <a:p>
+            <a:r>
+              <a:rPr lang="en-US" sz="2400" dirty="0" err="1" smtClean="0"/>
+              <a:t>AutoIt</a:t>
+            </a:r>
+            <a:r>
+              <a:rPr lang="en-US" sz="2400" dirty="0" smtClean="0"/>
+              <a:t> scripts can be compiled and packaged directly into a .exe file</a:t>
+            </a:r>
+          </a:p>
+          <a:p>
+            <a:r>
+              <a:rPr lang="en-US" sz="2400" dirty="0" smtClean="0"/>
+              <a:t>The compiled .exe can be run on any Windows machine</a:t>
+            </a:r>
+          </a:p>
+          <a:p>
+            <a:pPr lvl="1"/>
+            <a:r>
+              <a:rPr lang="en-US" sz="1800" dirty="0" smtClean="0"/>
+              <a:t>Even if the machine doesn’t have </a:t>
+            </a:r>
+            <a:r>
+              <a:rPr lang="en-US" sz="1800" dirty="0" err="1" smtClean="0"/>
+              <a:t>AutoIt</a:t>
+            </a:r>
+            <a:r>
+              <a:rPr lang="en-US" sz="1800" dirty="0" smtClean="0"/>
+              <a:t> installed</a:t>
+            </a:r>
+            <a:endParaRPr lang="en-US" sz="1800" dirty="0"/>
+          </a:p>
+        </p:txBody>
+      </p:sp>
+    </p:spTree>
+    <p:extLst>
+      <p:ext uri="{BB962C8B-B14F-4D97-AF65-F5344CB8AC3E}">
+        <p14:creationId xmlns:p14="http://schemas.microsoft.com/office/powerpoint/2010/main" val="3716742672"/>
       </p:ext>
     </p:extLst>
   </p:cSld>

--- a/LanguageExplore.pptx
+++ b/LanguageExplore.pptx
@@ -7,12 +7,17 @@
   <p:sldIdLst>
     <p:sldId id="256" r:id="rId2"/>
     <p:sldId id="257" r:id="rId3"/>
-    <p:sldId id="259" r:id="rId4"/>
-    <p:sldId id="258" r:id="rId5"/>
-    <p:sldId id="260" r:id="rId6"/>
-    <p:sldId id="261" r:id="rId7"/>
-    <p:sldId id="262" r:id="rId8"/>
-    <p:sldId id="263" r:id="rId9"/>
+    <p:sldId id="266" r:id="rId4"/>
+    <p:sldId id="267" r:id="rId5"/>
+    <p:sldId id="264" r:id="rId6"/>
+    <p:sldId id="259" r:id="rId7"/>
+    <p:sldId id="258" r:id="rId8"/>
+    <p:sldId id="260" r:id="rId9"/>
+    <p:sldId id="261" r:id="rId10"/>
+    <p:sldId id="262" r:id="rId11"/>
+    <p:sldId id="265" r:id="rId12"/>
+    <p:sldId id="263" r:id="rId13"/>
+    <p:sldId id="268" r:id="rId14"/>
   </p:sldIdLst>
   <p:sldSz cx="9144000" cy="6858000" type="screen4x3"/>
   <p:notesSz cx="6858000" cy="9144000"/>
@@ -1652,7 +1657,7 @@
           <a:p>
             <a:fld id="{9A786BAE-A6F5-4D2E-A78C-2DF7575F3F1E}" type="datetimeFigureOut">
               <a:rPr lang="en-US" smtClean="0"/>
-              <a:t>4/27/14</a:t>
+              <a:t>4/28/2014</a:t>
             </a:fld>
             <a:endParaRPr lang="en-US"/>
           </a:p>
@@ -2757,7 +2762,7 @@
           <a:p>
             <a:fld id="{9A786BAE-A6F5-4D2E-A78C-2DF7575F3F1E}" type="datetimeFigureOut">
               <a:rPr lang="en-US" smtClean="0"/>
-              <a:t>4/27/14</a:t>
+              <a:t>4/28/2014</a:t>
             </a:fld>
             <a:endParaRPr lang="en-US"/>
           </a:p>
@@ -3870,7 +3875,7 @@
           <a:p>
             <a:fld id="{9A786BAE-A6F5-4D2E-A78C-2DF7575F3F1E}" type="datetimeFigureOut">
               <a:rPr lang="en-US" smtClean="0"/>
-              <a:t>4/27/14</a:t>
+              <a:t>4/28/2014</a:t>
             </a:fld>
             <a:endParaRPr lang="en-US"/>
           </a:p>
@@ -4978,7 +4983,7 @@
           <a:p>
             <a:fld id="{9A786BAE-A6F5-4D2E-A78C-2DF7575F3F1E}" type="datetimeFigureOut">
               <a:rPr lang="en-US" smtClean="0"/>
-              <a:t>4/27/14</a:t>
+              <a:t>4/28/2014</a:t>
             </a:fld>
             <a:endParaRPr lang="en-US"/>
           </a:p>
@@ -6571,7 +6576,7 @@
           <a:p>
             <a:fld id="{9A786BAE-A6F5-4D2E-A78C-2DF7575F3F1E}" type="datetimeFigureOut">
               <a:rPr lang="en-US" smtClean="0"/>
-              <a:t>4/27/14</a:t>
+              <a:t>4/28/2014</a:t>
             </a:fld>
             <a:endParaRPr lang="en-US"/>
           </a:p>
@@ -7629,7 +7634,7 @@
           <a:p>
             <a:fld id="{9A786BAE-A6F5-4D2E-A78C-2DF7575F3F1E}" type="datetimeFigureOut">
               <a:rPr lang="en-US" smtClean="0"/>
-              <a:t>4/27/14</a:t>
+              <a:t>4/28/2014</a:t>
             </a:fld>
             <a:endParaRPr lang="en-US"/>
           </a:p>
@@ -8956,7 +8961,7 @@
           <a:p>
             <a:fld id="{9A786BAE-A6F5-4D2E-A78C-2DF7575F3F1E}" type="datetimeFigureOut">
               <a:rPr lang="en-US" smtClean="0"/>
-              <a:t>4/27/14</a:t>
+              <a:t>4/28/2014</a:t>
             </a:fld>
             <a:endParaRPr lang="en-US"/>
           </a:p>
@@ -10093,7 +10098,7 @@
           <a:p>
             <a:fld id="{9A786BAE-A6F5-4D2E-A78C-2DF7575F3F1E}" type="datetimeFigureOut">
               <a:rPr lang="en-US" smtClean="0"/>
-              <a:t>4/27/14</a:t>
+              <a:t>4/28/2014</a:t>
             </a:fld>
             <a:endParaRPr lang="en-US"/>
           </a:p>
@@ -11149,7 +11154,7 @@
           <a:p>
             <a:fld id="{9A786BAE-A6F5-4D2E-A78C-2DF7575F3F1E}" type="datetimeFigureOut">
               <a:rPr lang="en-US" smtClean="0"/>
-              <a:t>4/27/14</a:t>
+              <a:t>4/28/2014</a:t>
             </a:fld>
             <a:endParaRPr lang="en-US"/>
           </a:p>
@@ -12187,7 +12192,7 @@
           <a:p>
             <a:fld id="{9A786BAE-A6F5-4D2E-A78C-2DF7575F3F1E}" type="datetimeFigureOut">
               <a:rPr lang="en-US" smtClean="0"/>
-              <a:t>4/27/14</a:t>
+              <a:t>4/28/2014</a:t>
             </a:fld>
             <a:endParaRPr lang="en-US"/>
           </a:p>
@@ -13422,7 +13427,7 @@
           <a:p>
             <a:fld id="{9A786BAE-A6F5-4D2E-A78C-2DF7575F3F1E}" type="datetimeFigureOut">
               <a:rPr lang="en-US" smtClean="0"/>
-              <a:t>4/27/14</a:t>
+              <a:t>4/28/2014</a:t>
             </a:fld>
             <a:endParaRPr lang="en-US"/>
           </a:p>
@@ -13775,7 +13780,7 @@
           <a:p>
             <a:fld id="{9A786BAE-A6F5-4D2E-A78C-2DF7575F3F1E}" type="datetimeFigureOut">
               <a:rPr lang="en-US" smtClean="0"/>
-              <a:t>4/27/14</a:t>
+              <a:t>4/28/2014</a:t>
             </a:fld>
             <a:endParaRPr lang="en-US"/>
           </a:p>
@@ -14357,6 +14362,1168 @@
 </p:sld>
 </file>
 
+<file path=ppt/slides/slide10.xml><?xml version="1.0" encoding="utf-8"?>
+<p:sld xmlns:a="http://schemas.openxmlformats.org/drawingml/2006/main" xmlns:r="http://schemas.openxmlformats.org/officeDocument/2006/relationships" xmlns:p="http://schemas.openxmlformats.org/presentationml/2006/main">
+  <p:cSld>
+    <p:spTree>
+      <p:nvGrpSpPr>
+        <p:cNvPr id="1" name=""/>
+        <p:cNvGrpSpPr/>
+        <p:nvPr/>
+      </p:nvGrpSpPr>
+      <p:grpSpPr>
+        <a:xfrm>
+          <a:off x="0" y="0"/>
+          <a:ext cx="0" cy="0"/>
+          <a:chOff x="0" y="0"/>
+          <a:chExt cx="0" cy="0"/>
+        </a:xfrm>
+      </p:grpSpPr>
+      <p:sp>
+        <p:nvSpPr>
+          <p:cNvPr id="2" name="Title 1"/>
+          <p:cNvSpPr>
+            <a:spLocks noGrp="1"/>
+          </p:cNvSpPr>
+          <p:nvPr>
+            <p:ph type="title"/>
+          </p:nvPr>
+        </p:nvSpPr>
+        <p:spPr/>
+        <p:txBody>
+          <a:bodyPr/>
+          <a:lstStyle/>
+          <a:p>
+            <a:r>
+              <a:rPr lang="en-US" dirty="0" smtClean="0"/>
+              <a:t>CLASSES</a:t>
+            </a:r>
+            <a:endParaRPr lang="en-US" dirty="0"/>
+          </a:p>
+        </p:txBody>
+      </p:sp>
+      <p:sp>
+        <p:nvSpPr>
+          <p:cNvPr id="3" name="Content Placeholder 2"/>
+          <p:cNvSpPr>
+            <a:spLocks noGrp="1"/>
+          </p:cNvSpPr>
+          <p:nvPr>
+            <p:ph idx="1"/>
+          </p:nvPr>
+        </p:nvSpPr>
+        <p:spPr/>
+        <p:txBody>
+          <a:bodyPr>
+            <a:normAutofit/>
+          </a:bodyPr>
+          <a:lstStyle/>
+          <a:p>
+            <a:r>
+              <a:rPr lang="en-US" sz="2400" dirty="0" smtClean="0"/>
+              <a:t>There </a:t>
+            </a:r>
+            <a:r>
+              <a:rPr lang="en-US" sz="2400" dirty="0" smtClean="0"/>
+              <a:t>are no </a:t>
+            </a:r>
+            <a:r>
+              <a:rPr lang="en-US" sz="2400" dirty="0" smtClean="0"/>
+              <a:t>classes in </a:t>
+            </a:r>
+            <a:r>
+              <a:rPr lang="en-US" sz="2400" dirty="0" err="1" smtClean="0"/>
+              <a:t>AutoIt</a:t>
+            </a:r>
+            <a:endParaRPr lang="en-US" sz="2400" dirty="0" smtClean="0"/>
+          </a:p>
+          <a:p>
+            <a:r>
+              <a:rPr lang="en-US" sz="2400" dirty="0" smtClean="0"/>
+              <a:t>But programmers can define functions in external files and include the files in their script</a:t>
+            </a:r>
+            <a:endParaRPr lang="en-US" sz="2400" dirty="0" smtClean="0"/>
+          </a:p>
+        </p:txBody>
+      </p:sp>
+    </p:spTree>
+    <p:extLst>
+      <p:ext uri="{BB962C8B-B14F-4D97-AF65-F5344CB8AC3E}">
+        <p14:creationId xmlns:p14="http://schemas.microsoft.com/office/powerpoint/2010/main" val="2472168404"/>
+      </p:ext>
+    </p:extLst>
+  </p:cSld>
+  <p:clrMapOvr>
+    <a:masterClrMapping/>
+  </p:clrMapOvr>
+</p:sld>
+</file>
+
+<file path=ppt/slides/slide11.xml><?xml version="1.0" encoding="utf-8"?>
+<p:sld xmlns:a="http://schemas.openxmlformats.org/drawingml/2006/main" xmlns:r="http://schemas.openxmlformats.org/officeDocument/2006/relationships" xmlns:p="http://schemas.openxmlformats.org/presentationml/2006/main">
+  <p:cSld>
+    <p:spTree>
+      <p:nvGrpSpPr>
+        <p:cNvPr id="1" name=""/>
+        <p:cNvGrpSpPr/>
+        <p:nvPr/>
+      </p:nvGrpSpPr>
+      <p:grpSpPr>
+        <a:xfrm>
+          <a:off x="0" y="0"/>
+          <a:ext cx="0" cy="0"/>
+          <a:chOff x="0" y="0"/>
+          <a:chExt cx="0" cy="0"/>
+        </a:xfrm>
+      </p:grpSpPr>
+      <p:sp>
+        <p:nvSpPr>
+          <p:cNvPr id="2" name="Title 1"/>
+          <p:cNvSpPr>
+            <a:spLocks noGrp="1"/>
+          </p:cNvSpPr>
+          <p:nvPr>
+            <p:ph type="title"/>
+          </p:nvPr>
+        </p:nvSpPr>
+        <p:spPr/>
+        <p:txBody>
+          <a:bodyPr/>
+          <a:lstStyle/>
+          <a:p>
+            <a:r>
+              <a:rPr lang="en-US" dirty="0" smtClean="0"/>
+              <a:t>exceptions</a:t>
+            </a:r>
+            <a:endParaRPr lang="en-US" dirty="0"/>
+          </a:p>
+        </p:txBody>
+      </p:sp>
+      <p:sp>
+        <p:nvSpPr>
+          <p:cNvPr id="3" name="Content Placeholder 2"/>
+          <p:cNvSpPr>
+            <a:spLocks noGrp="1"/>
+          </p:cNvSpPr>
+          <p:nvPr>
+            <p:ph idx="1"/>
+          </p:nvPr>
+        </p:nvSpPr>
+        <p:spPr/>
+        <p:txBody>
+          <a:bodyPr/>
+          <a:lstStyle/>
+          <a:p>
+            <a:r>
+              <a:rPr lang="en-US" dirty="0" smtClean="0"/>
+              <a:t>A user can optionally use the error-code method of exception handling</a:t>
+            </a:r>
+          </a:p>
+          <a:p>
+            <a:pPr lvl="1"/>
+            <a:r>
+              <a:rPr lang="en-US" dirty="0" smtClean="0"/>
+              <a:t>Other than that, </a:t>
+            </a:r>
+            <a:r>
+              <a:rPr lang="en-US" dirty="0" err="1" smtClean="0"/>
+              <a:t>AutoIt</a:t>
+            </a:r>
+            <a:r>
+              <a:rPr lang="en-US" dirty="0" smtClean="0"/>
+              <a:t> has no other exception handing methods except crashing</a:t>
+            </a:r>
+          </a:p>
+          <a:p>
+            <a:r>
+              <a:rPr lang="en-US" dirty="0" smtClean="0"/>
+              <a:t>To use the error-code method, one must use the </a:t>
+            </a:r>
+            <a:r>
+              <a:rPr lang="en-US" dirty="0" err="1" smtClean="0"/>
+              <a:t>ObjEvent</a:t>
+            </a:r>
+            <a:r>
+              <a:rPr lang="en-US" dirty="0" smtClean="0"/>
+              <a:t> function to get an error object like so:</a:t>
+            </a:r>
+          </a:p>
+          <a:p>
+            <a:endParaRPr lang="en-US" dirty="0"/>
+          </a:p>
+          <a:p>
+            <a:endParaRPr lang="en-US" dirty="0" smtClean="0"/>
+          </a:p>
+          <a:p>
+            <a:r>
+              <a:rPr lang="en-US" dirty="0" smtClean="0"/>
+              <a:t>Then use the error object like so:</a:t>
+            </a:r>
+          </a:p>
+          <a:p>
+            <a:endParaRPr lang="en-US" dirty="0" smtClean="0"/>
+          </a:p>
+          <a:p>
+            <a:endParaRPr lang="en-US" dirty="0"/>
+          </a:p>
+        </p:txBody>
+      </p:sp>
+      <p:sp>
+        <p:nvSpPr>
+          <p:cNvPr id="4" name="TextBox 3"/>
+          <p:cNvSpPr txBox="1"/>
+          <p:nvPr/>
+        </p:nvSpPr>
+        <p:spPr>
+          <a:xfrm>
+            <a:off x="1066800" y="3200400"/>
+            <a:ext cx="5881290" cy="410882"/>
+          </a:xfrm>
+          <a:prstGeom prst="rect">
+            <a:avLst/>
+          </a:prstGeom>
+          <a:solidFill>
+            <a:schemeClr val="accent3">
+              <a:lumMod val="40000"/>
+              <a:lumOff val="60000"/>
+            </a:schemeClr>
+          </a:solidFill>
+        </p:spPr>
+        <p:style>
+          <a:lnRef idx="2">
+            <a:schemeClr val="dk1"/>
+          </a:lnRef>
+          <a:fillRef idx="1">
+            <a:schemeClr val="lt1"/>
+          </a:fillRef>
+          <a:effectRef idx="0">
+            <a:schemeClr val="dk1"/>
+          </a:effectRef>
+          <a:fontRef idx="minor">
+            <a:schemeClr val="dk1"/>
+          </a:fontRef>
+        </p:style>
+        <p:txBody>
+          <a:bodyPr wrap="none" rtlCol="0">
+            <a:spAutoFit/>
+          </a:bodyPr>
+          <a:lstStyle/>
+          <a:p>
+            <a:pPr>
+              <a:lnSpc>
+                <a:spcPct val="115000"/>
+              </a:lnSpc>
+              <a:spcAft>
+                <a:spcPts val="1000"/>
+              </a:spcAft>
+            </a:pPr>
+            <a:r>
+              <a:rPr lang="en-US" b="1" dirty="0">
+                <a:solidFill>
+                  <a:srgbClr val="0000FF"/>
+                </a:solidFill>
+                <a:latin typeface="Gill Sans MT" panose="020B0502020104020203" pitchFamily="34" charset="0"/>
+                <a:ea typeface="Calibri"/>
+                <a:cs typeface="Times New Roman"/>
+              </a:rPr>
+              <a:t>Global</a:t>
+            </a:r>
+            <a:r>
+              <a:rPr lang="en-US" dirty="0">
+                <a:solidFill>
+                  <a:srgbClr val="000000"/>
+                </a:solidFill>
+                <a:latin typeface="Gill Sans MT" panose="020B0502020104020203" pitchFamily="34" charset="0"/>
+                <a:ea typeface="Calibri"/>
+                <a:cs typeface="Times New Roman"/>
+              </a:rPr>
+              <a:t> </a:t>
+            </a:r>
+            <a:r>
+              <a:rPr lang="en-US" dirty="0">
+                <a:solidFill>
+                  <a:srgbClr val="FF0080"/>
+                </a:solidFill>
+                <a:latin typeface="Gill Sans MT" panose="020B0502020104020203" pitchFamily="34" charset="0"/>
+                <a:ea typeface="Calibri"/>
+                <a:cs typeface="Times New Roman"/>
+              </a:rPr>
+              <a:t>$</a:t>
+            </a:r>
+            <a:r>
+              <a:rPr lang="en-US" dirty="0" err="1">
+                <a:solidFill>
+                  <a:srgbClr val="FF0080"/>
+                </a:solidFill>
+                <a:latin typeface="Gill Sans MT" panose="020B0502020104020203" pitchFamily="34" charset="0"/>
+                <a:ea typeface="Calibri"/>
+                <a:cs typeface="Times New Roman"/>
+              </a:rPr>
+              <a:t>oMyError</a:t>
+            </a:r>
+            <a:r>
+              <a:rPr lang="en-US" dirty="0">
+                <a:solidFill>
+                  <a:srgbClr val="000000"/>
+                </a:solidFill>
+                <a:latin typeface="Gill Sans MT" panose="020B0502020104020203" pitchFamily="34" charset="0"/>
+                <a:ea typeface="Calibri"/>
+                <a:cs typeface="Times New Roman"/>
+              </a:rPr>
+              <a:t> </a:t>
+            </a:r>
+            <a:r>
+              <a:rPr lang="en-US" b="1" dirty="0">
+                <a:solidFill>
+                  <a:srgbClr val="000080"/>
+                </a:solidFill>
+                <a:latin typeface="Gill Sans MT" panose="020B0502020104020203" pitchFamily="34" charset="0"/>
+                <a:ea typeface="Calibri"/>
+                <a:cs typeface="Times New Roman"/>
+              </a:rPr>
+              <a:t>=</a:t>
+            </a:r>
+            <a:r>
+              <a:rPr lang="en-US" dirty="0">
+                <a:solidFill>
+                  <a:srgbClr val="000000"/>
+                </a:solidFill>
+                <a:latin typeface="Gill Sans MT" panose="020B0502020104020203" pitchFamily="34" charset="0"/>
+                <a:ea typeface="Calibri"/>
+                <a:cs typeface="Times New Roman"/>
+              </a:rPr>
+              <a:t> </a:t>
+            </a:r>
+            <a:r>
+              <a:rPr lang="en-US" dirty="0" err="1">
+                <a:solidFill>
+                  <a:srgbClr val="000000"/>
+                </a:solidFill>
+                <a:latin typeface="Gill Sans MT" panose="020B0502020104020203" pitchFamily="34" charset="0"/>
+                <a:ea typeface="Calibri"/>
+                <a:cs typeface="Times New Roman"/>
+              </a:rPr>
+              <a:t>ObjEvent</a:t>
+            </a:r>
+            <a:r>
+              <a:rPr lang="en-US" b="1" dirty="0">
+                <a:solidFill>
+                  <a:srgbClr val="000080"/>
+                </a:solidFill>
+                <a:latin typeface="Gill Sans MT" panose="020B0502020104020203" pitchFamily="34" charset="0"/>
+                <a:ea typeface="Calibri"/>
+                <a:cs typeface="Times New Roman"/>
+              </a:rPr>
+              <a:t>(</a:t>
+            </a:r>
+            <a:r>
+              <a:rPr lang="en-US" dirty="0">
+                <a:solidFill>
+                  <a:srgbClr val="808080"/>
+                </a:solidFill>
+                <a:latin typeface="Gill Sans MT" panose="020B0502020104020203" pitchFamily="34" charset="0"/>
+                <a:ea typeface="Calibri"/>
+                <a:cs typeface="Times New Roman"/>
+              </a:rPr>
+              <a:t>"AutoIt.Error"</a:t>
+            </a:r>
+            <a:r>
+              <a:rPr lang="en-US" b="1" dirty="0">
+                <a:solidFill>
+                  <a:srgbClr val="000080"/>
+                </a:solidFill>
+                <a:latin typeface="Gill Sans MT" panose="020B0502020104020203" pitchFamily="34" charset="0"/>
+                <a:ea typeface="Calibri"/>
+                <a:cs typeface="Times New Roman"/>
+              </a:rPr>
+              <a:t>,</a:t>
+            </a:r>
+            <a:r>
+              <a:rPr lang="en-US" dirty="0">
+                <a:solidFill>
+                  <a:srgbClr val="808080"/>
+                </a:solidFill>
+                <a:latin typeface="Gill Sans MT" panose="020B0502020104020203" pitchFamily="34" charset="0"/>
+                <a:ea typeface="Calibri"/>
+                <a:cs typeface="Times New Roman"/>
+              </a:rPr>
+              <a:t>"</a:t>
+            </a:r>
+            <a:r>
+              <a:rPr lang="en-US" dirty="0" err="1">
+                <a:solidFill>
+                  <a:srgbClr val="808080"/>
+                </a:solidFill>
+                <a:latin typeface="Gill Sans MT" panose="020B0502020104020203" pitchFamily="34" charset="0"/>
+                <a:ea typeface="Calibri"/>
+                <a:cs typeface="Times New Roman"/>
+              </a:rPr>
+              <a:t>MyErrFunc</a:t>
+            </a:r>
+            <a:r>
+              <a:rPr lang="en-US" dirty="0">
+                <a:solidFill>
+                  <a:srgbClr val="808080"/>
+                </a:solidFill>
+                <a:latin typeface="Gill Sans MT" panose="020B0502020104020203" pitchFamily="34" charset="0"/>
+                <a:ea typeface="Calibri"/>
+                <a:cs typeface="Times New Roman"/>
+              </a:rPr>
+              <a:t>"</a:t>
+            </a:r>
+            <a:r>
+              <a:rPr lang="en-US" b="1" dirty="0">
+                <a:solidFill>
+                  <a:srgbClr val="000080"/>
+                </a:solidFill>
+                <a:latin typeface="Gill Sans MT" panose="020B0502020104020203" pitchFamily="34" charset="0"/>
+                <a:ea typeface="Calibri"/>
+                <a:cs typeface="Times New Roman"/>
+              </a:rPr>
+              <a:t>)</a:t>
+            </a:r>
+            <a:endParaRPr lang="en-US" sz="2400" dirty="0">
+              <a:effectLst/>
+              <a:latin typeface="Gill Sans MT" panose="020B0502020104020203" pitchFamily="34" charset="0"/>
+              <a:ea typeface="Calibri"/>
+              <a:cs typeface="Times New Roman"/>
+            </a:endParaRPr>
+          </a:p>
+        </p:txBody>
+      </p:sp>
+      <p:sp>
+        <p:nvSpPr>
+          <p:cNvPr id="6" name="TextBox 5"/>
+          <p:cNvSpPr txBox="1"/>
+          <p:nvPr/>
+        </p:nvSpPr>
+        <p:spPr>
+          <a:xfrm>
+            <a:off x="1066800" y="4352810"/>
+            <a:ext cx="6044603" cy="1023422"/>
+          </a:xfrm>
+          <a:prstGeom prst="rect">
+            <a:avLst/>
+          </a:prstGeom>
+          <a:solidFill>
+            <a:schemeClr val="accent2">
+              <a:lumMod val="40000"/>
+              <a:lumOff val="60000"/>
+            </a:schemeClr>
+          </a:solidFill>
+        </p:spPr>
+        <p:style>
+          <a:lnRef idx="2">
+            <a:schemeClr val="dk1"/>
+          </a:lnRef>
+          <a:fillRef idx="1">
+            <a:schemeClr val="lt1"/>
+          </a:fillRef>
+          <a:effectRef idx="0">
+            <a:schemeClr val="dk1"/>
+          </a:effectRef>
+          <a:fontRef idx="minor">
+            <a:schemeClr val="dk1"/>
+          </a:fontRef>
+        </p:style>
+        <p:txBody>
+          <a:bodyPr wrap="none" rtlCol="0">
+            <a:spAutoFit/>
+          </a:bodyPr>
+          <a:lstStyle/>
+          <a:p>
+            <a:pPr>
+              <a:lnSpc>
+                <a:spcPct val="115000"/>
+              </a:lnSpc>
+            </a:pPr>
+            <a:r>
+              <a:rPr lang="en-US" dirty="0">
+                <a:solidFill>
+                  <a:srgbClr val="FF0080"/>
+                </a:solidFill>
+                <a:latin typeface="+mj-lt"/>
+                <a:ea typeface="Calibri"/>
+                <a:cs typeface="Times New Roman"/>
+              </a:rPr>
+              <a:t>$</a:t>
+            </a:r>
+            <a:r>
+              <a:rPr lang="en-US" dirty="0" err="1">
+                <a:solidFill>
+                  <a:srgbClr val="FF0080"/>
+                </a:solidFill>
+                <a:latin typeface="+mj-lt"/>
+                <a:ea typeface="Calibri"/>
+                <a:cs typeface="Times New Roman"/>
+              </a:rPr>
+              <a:t>strMsg</a:t>
+            </a:r>
+            <a:r>
+              <a:rPr lang="en-US" dirty="0">
+                <a:solidFill>
+                  <a:srgbClr val="000000"/>
+                </a:solidFill>
+                <a:latin typeface="+mj-lt"/>
+                <a:ea typeface="Calibri"/>
+                <a:cs typeface="Times New Roman"/>
+              </a:rPr>
+              <a:t> </a:t>
+            </a:r>
+            <a:r>
+              <a:rPr lang="en-US" b="1" dirty="0">
+                <a:solidFill>
+                  <a:srgbClr val="000080"/>
+                </a:solidFill>
+                <a:latin typeface="+mj-lt"/>
+                <a:ea typeface="Calibri"/>
+                <a:cs typeface="Times New Roman"/>
+              </a:rPr>
+              <a:t>=</a:t>
+            </a:r>
+            <a:r>
+              <a:rPr lang="en-US" dirty="0">
+                <a:solidFill>
+                  <a:srgbClr val="000000"/>
+                </a:solidFill>
+                <a:latin typeface="+mj-lt"/>
+                <a:ea typeface="Calibri"/>
+                <a:cs typeface="Times New Roman"/>
+              </a:rPr>
+              <a:t> </a:t>
+            </a:r>
+            <a:r>
+              <a:rPr lang="en-US" dirty="0">
+                <a:solidFill>
+                  <a:srgbClr val="808080"/>
+                </a:solidFill>
+                <a:latin typeface="+mj-lt"/>
+                <a:ea typeface="Calibri"/>
+                <a:cs typeface="Times New Roman"/>
+              </a:rPr>
+              <a:t>"Error Number: "</a:t>
+            </a:r>
+            <a:r>
+              <a:rPr lang="en-US" dirty="0">
+                <a:solidFill>
+                  <a:srgbClr val="000000"/>
+                </a:solidFill>
+                <a:latin typeface="+mj-lt"/>
+                <a:ea typeface="Calibri"/>
+                <a:cs typeface="Times New Roman"/>
+              </a:rPr>
+              <a:t> </a:t>
+            </a:r>
+            <a:r>
+              <a:rPr lang="en-US" b="1" dirty="0">
+                <a:solidFill>
+                  <a:srgbClr val="000080"/>
+                </a:solidFill>
+                <a:latin typeface="+mj-lt"/>
+                <a:ea typeface="Calibri"/>
+                <a:cs typeface="Times New Roman"/>
+              </a:rPr>
+              <a:t>&amp;</a:t>
+            </a:r>
+            <a:r>
+              <a:rPr lang="en-US" dirty="0">
+                <a:solidFill>
+                  <a:srgbClr val="000000"/>
+                </a:solidFill>
+                <a:latin typeface="+mj-lt"/>
+                <a:ea typeface="Calibri"/>
+                <a:cs typeface="Times New Roman"/>
+              </a:rPr>
+              <a:t> </a:t>
+            </a:r>
+            <a:r>
+              <a:rPr lang="en-US" dirty="0">
+                <a:solidFill>
+                  <a:srgbClr val="FF0080"/>
+                </a:solidFill>
+                <a:latin typeface="+mj-lt"/>
+                <a:ea typeface="Calibri"/>
+                <a:cs typeface="Times New Roman"/>
+              </a:rPr>
+              <a:t>$</a:t>
+            </a:r>
+            <a:r>
+              <a:rPr lang="en-US" dirty="0" err="1">
+                <a:solidFill>
+                  <a:srgbClr val="FF0080"/>
+                </a:solidFill>
+                <a:latin typeface="+mj-lt"/>
+                <a:ea typeface="Calibri"/>
+                <a:cs typeface="Times New Roman"/>
+              </a:rPr>
+              <a:t>oMyError</a:t>
+            </a:r>
+            <a:r>
+              <a:rPr lang="en-US" b="1" dirty="0" err="1">
+                <a:solidFill>
+                  <a:srgbClr val="000080"/>
+                </a:solidFill>
+                <a:latin typeface="+mj-lt"/>
+                <a:ea typeface="Calibri"/>
+                <a:cs typeface="Times New Roman"/>
+              </a:rPr>
+              <a:t>.</a:t>
+            </a:r>
+            <a:r>
+              <a:rPr lang="en-US" dirty="0" err="1">
+                <a:solidFill>
+                  <a:srgbClr val="000000"/>
+                </a:solidFill>
+                <a:latin typeface="+mj-lt"/>
+                <a:ea typeface="Calibri"/>
+                <a:cs typeface="Times New Roman"/>
+              </a:rPr>
+              <a:t>Number</a:t>
+            </a:r>
+            <a:endParaRPr lang="en-US" sz="2400" dirty="0">
+              <a:latin typeface="+mj-lt"/>
+              <a:ea typeface="Calibri"/>
+              <a:cs typeface="Times New Roman"/>
+            </a:endParaRPr>
+          </a:p>
+          <a:p>
+            <a:pPr>
+              <a:lnSpc>
+                <a:spcPct val="115000"/>
+              </a:lnSpc>
+            </a:pPr>
+            <a:r>
+              <a:rPr lang="en-US" dirty="0">
+                <a:solidFill>
+                  <a:srgbClr val="FF0080"/>
+                </a:solidFill>
+                <a:latin typeface="+mj-lt"/>
+                <a:ea typeface="Calibri"/>
+                <a:cs typeface="Times New Roman"/>
+              </a:rPr>
+              <a:t>$</a:t>
+            </a:r>
+            <a:r>
+              <a:rPr lang="en-US" dirty="0" err="1">
+                <a:solidFill>
+                  <a:srgbClr val="FF0080"/>
+                </a:solidFill>
+                <a:latin typeface="+mj-lt"/>
+                <a:ea typeface="Calibri"/>
+                <a:cs typeface="Times New Roman"/>
+              </a:rPr>
+              <a:t>strMsg</a:t>
+            </a:r>
+            <a:r>
+              <a:rPr lang="en-US" dirty="0">
+                <a:solidFill>
+                  <a:srgbClr val="000000"/>
+                </a:solidFill>
+                <a:latin typeface="+mj-lt"/>
+                <a:ea typeface="Calibri"/>
+                <a:cs typeface="Times New Roman"/>
+              </a:rPr>
+              <a:t> </a:t>
+            </a:r>
+            <a:r>
+              <a:rPr lang="en-US" b="1" dirty="0">
+                <a:solidFill>
+                  <a:srgbClr val="000080"/>
+                </a:solidFill>
+                <a:latin typeface="+mj-lt"/>
+                <a:ea typeface="Calibri"/>
+                <a:cs typeface="Times New Roman"/>
+              </a:rPr>
+              <a:t>&amp;=</a:t>
+            </a:r>
+            <a:r>
+              <a:rPr lang="en-US" dirty="0">
+                <a:solidFill>
+                  <a:srgbClr val="000000"/>
+                </a:solidFill>
+                <a:latin typeface="+mj-lt"/>
+                <a:ea typeface="Calibri"/>
+                <a:cs typeface="Times New Roman"/>
+              </a:rPr>
+              <a:t> </a:t>
+            </a:r>
+            <a:r>
+              <a:rPr lang="en-US" dirty="0">
+                <a:solidFill>
+                  <a:srgbClr val="808080"/>
+                </a:solidFill>
+                <a:latin typeface="+mj-lt"/>
+                <a:ea typeface="Calibri"/>
+                <a:cs typeface="Times New Roman"/>
+              </a:rPr>
+              <a:t>"</a:t>
+            </a:r>
+            <a:r>
+              <a:rPr lang="en-US" dirty="0" err="1">
+                <a:solidFill>
+                  <a:srgbClr val="808080"/>
+                </a:solidFill>
+                <a:latin typeface="+mj-lt"/>
+                <a:ea typeface="Calibri"/>
+                <a:cs typeface="Times New Roman"/>
+              </a:rPr>
+              <a:t>WinDescription</a:t>
+            </a:r>
+            <a:r>
+              <a:rPr lang="en-US" dirty="0">
+                <a:solidFill>
+                  <a:srgbClr val="808080"/>
+                </a:solidFill>
+                <a:latin typeface="+mj-lt"/>
+                <a:ea typeface="Calibri"/>
+                <a:cs typeface="Times New Roman"/>
+              </a:rPr>
+              <a:t>: "</a:t>
+            </a:r>
+            <a:r>
+              <a:rPr lang="en-US" dirty="0">
+                <a:solidFill>
+                  <a:srgbClr val="000000"/>
+                </a:solidFill>
+                <a:latin typeface="+mj-lt"/>
+                <a:ea typeface="Calibri"/>
+                <a:cs typeface="Times New Roman"/>
+              </a:rPr>
+              <a:t> </a:t>
+            </a:r>
+            <a:r>
+              <a:rPr lang="en-US" b="1" dirty="0">
+                <a:solidFill>
+                  <a:srgbClr val="000080"/>
+                </a:solidFill>
+                <a:latin typeface="+mj-lt"/>
+                <a:ea typeface="Calibri"/>
+                <a:cs typeface="Times New Roman"/>
+              </a:rPr>
+              <a:t>&amp;</a:t>
+            </a:r>
+            <a:r>
+              <a:rPr lang="en-US" dirty="0">
+                <a:solidFill>
+                  <a:srgbClr val="000000"/>
+                </a:solidFill>
+                <a:latin typeface="+mj-lt"/>
+                <a:ea typeface="Calibri"/>
+                <a:cs typeface="Times New Roman"/>
+              </a:rPr>
+              <a:t> </a:t>
+            </a:r>
+            <a:r>
+              <a:rPr lang="en-US" dirty="0">
+                <a:solidFill>
+                  <a:srgbClr val="FF0080"/>
+                </a:solidFill>
+                <a:latin typeface="+mj-lt"/>
+                <a:ea typeface="Calibri"/>
+                <a:cs typeface="Times New Roman"/>
+              </a:rPr>
+              <a:t>$</a:t>
+            </a:r>
+            <a:r>
+              <a:rPr lang="en-US" dirty="0" err="1">
+                <a:solidFill>
+                  <a:srgbClr val="FF0080"/>
+                </a:solidFill>
+                <a:latin typeface="+mj-lt"/>
+                <a:ea typeface="Calibri"/>
+                <a:cs typeface="Times New Roman"/>
+              </a:rPr>
+              <a:t>oMyError</a:t>
+            </a:r>
+            <a:r>
+              <a:rPr lang="en-US" b="1" dirty="0" err="1">
+                <a:solidFill>
+                  <a:srgbClr val="000080"/>
+                </a:solidFill>
+                <a:latin typeface="+mj-lt"/>
+                <a:ea typeface="Calibri"/>
+                <a:cs typeface="Times New Roman"/>
+              </a:rPr>
+              <a:t>.</a:t>
+            </a:r>
+            <a:r>
+              <a:rPr lang="en-US" dirty="0" err="1">
+                <a:solidFill>
+                  <a:srgbClr val="000000"/>
+                </a:solidFill>
+                <a:latin typeface="+mj-lt"/>
+                <a:ea typeface="Calibri"/>
+                <a:cs typeface="Times New Roman"/>
+              </a:rPr>
+              <a:t>WinDescription</a:t>
+            </a:r>
+            <a:endParaRPr lang="en-US" sz="2400" dirty="0">
+              <a:latin typeface="+mj-lt"/>
+              <a:ea typeface="Calibri"/>
+              <a:cs typeface="Times New Roman"/>
+            </a:endParaRPr>
+          </a:p>
+          <a:p>
+            <a:pPr>
+              <a:lnSpc>
+                <a:spcPct val="115000"/>
+              </a:lnSpc>
+              <a:spcAft>
+                <a:spcPts val="1000"/>
+              </a:spcAft>
+            </a:pPr>
+            <a:r>
+              <a:rPr lang="en-US" dirty="0">
+                <a:solidFill>
+                  <a:srgbClr val="FF0080"/>
+                </a:solidFill>
+                <a:latin typeface="+mj-lt"/>
+                <a:ea typeface="Calibri"/>
+                <a:cs typeface="Times New Roman"/>
+              </a:rPr>
+              <a:t>$</a:t>
+            </a:r>
+            <a:r>
+              <a:rPr lang="en-US" dirty="0" err="1">
+                <a:solidFill>
+                  <a:srgbClr val="FF0080"/>
+                </a:solidFill>
+                <a:latin typeface="+mj-lt"/>
+                <a:ea typeface="Calibri"/>
+                <a:cs typeface="Times New Roman"/>
+              </a:rPr>
+              <a:t>strMsg</a:t>
+            </a:r>
+            <a:r>
+              <a:rPr lang="en-US" dirty="0">
+                <a:solidFill>
+                  <a:srgbClr val="000000"/>
+                </a:solidFill>
+                <a:latin typeface="+mj-lt"/>
+                <a:ea typeface="Calibri"/>
+                <a:cs typeface="Times New Roman"/>
+              </a:rPr>
+              <a:t> </a:t>
+            </a:r>
+            <a:r>
+              <a:rPr lang="en-US" b="1" dirty="0">
+                <a:solidFill>
+                  <a:srgbClr val="000080"/>
+                </a:solidFill>
+                <a:latin typeface="+mj-lt"/>
+                <a:ea typeface="Calibri"/>
+                <a:cs typeface="Times New Roman"/>
+              </a:rPr>
+              <a:t>&amp;=</a:t>
+            </a:r>
+            <a:r>
+              <a:rPr lang="en-US" dirty="0">
+                <a:solidFill>
+                  <a:srgbClr val="000000"/>
+                </a:solidFill>
+                <a:latin typeface="+mj-lt"/>
+                <a:ea typeface="Calibri"/>
+                <a:cs typeface="Times New Roman"/>
+              </a:rPr>
+              <a:t> </a:t>
+            </a:r>
+            <a:r>
+              <a:rPr lang="en-US" dirty="0">
+                <a:solidFill>
+                  <a:srgbClr val="808080"/>
+                </a:solidFill>
+                <a:latin typeface="+mj-lt"/>
+                <a:ea typeface="Calibri"/>
+                <a:cs typeface="Times New Roman"/>
+              </a:rPr>
+              <a:t>"Script Line: "</a:t>
+            </a:r>
+            <a:r>
+              <a:rPr lang="en-US" dirty="0">
+                <a:solidFill>
+                  <a:srgbClr val="000000"/>
+                </a:solidFill>
+                <a:latin typeface="+mj-lt"/>
+                <a:ea typeface="Calibri"/>
+                <a:cs typeface="Times New Roman"/>
+              </a:rPr>
+              <a:t> </a:t>
+            </a:r>
+            <a:r>
+              <a:rPr lang="en-US" b="1" dirty="0">
+                <a:solidFill>
+                  <a:srgbClr val="000080"/>
+                </a:solidFill>
+                <a:latin typeface="+mj-lt"/>
+                <a:ea typeface="Calibri"/>
+                <a:cs typeface="Times New Roman"/>
+              </a:rPr>
+              <a:t>&amp;</a:t>
+            </a:r>
+            <a:r>
+              <a:rPr lang="en-US" dirty="0">
+                <a:solidFill>
+                  <a:srgbClr val="000000"/>
+                </a:solidFill>
+                <a:latin typeface="+mj-lt"/>
+                <a:ea typeface="Calibri"/>
+                <a:cs typeface="Times New Roman"/>
+              </a:rPr>
+              <a:t> </a:t>
+            </a:r>
+            <a:r>
+              <a:rPr lang="en-US" dirty="0">
+                <a:solidFill>
+                  <a:srgbClr val="FF0080"/>
+                </a:solidFill>
+                <a:latin typeface="+mj-lt"/>
+                <a:ea typeface="Calibri"/>
+                <a:cs typeface="Times New Roman"/>
+              </a:rPr>
+              <a:t>$</a:t>
+            </a:r>
+            <a:r>
+              <a:rPr lang="en-US" dirty="0" err="1">
+                <a:solidFill>
+                  <a:srgbClr val="FF0080"/>
+                </a:solidFill>
+                <a:latin typeface="+mj-lt"/>
+                <a:ea typeface="Calibri"/>
+                <a:cs typeface="Times New Roman"/>
+              </a:rPr>
+              <a:t>oMyError</a:t>
+            </a:r>
+            <a:r>
+              <a:rPr lang="en-US" b="1" dirty="0" err="1">
+                <a:solidFill>
+                  <a:srgbClr val="000080"/>
+                </a:solidFill>
+                <a:latin typeface="+mj-lt"/>
+                <a:ea typeface="Calibri"/>
+                <a:cs typeface="Times New Roman"/>
+              </a:rPr>
+              <a:t>.</a:t>
+            </a:r>
+            <a:r>
+              <a:rPr lang="en-US" dirty="0" err="1">
+                <a:solidFill>
+                  <a:srgbClr val="000000"/>
+                </a:solidFill>
+                <a:latin typeface="+mj-lt"/>
+                <a:ea typeface="Calibri"/>
+                <a:cs typeface="Times New Roman"/>
+              </a:rPr>
+              <a:t>ScriptLine</a:t>
+            </a:r>
+            <a:endParaRPr lang="en-US" sz="2400" dirty="0">
+              <a:effectLst/>
+              <a:latin typeface="+mj-lt"/>
+              <a:ea typeface="Calibri"/>
+              <a:cs typeface="Times New Roman"/>
+            </a:endParaRPr>
+          </a:p>
+        </p:txBody>
+      </p:sp>
+    </p:spTree>
+    <p:extLst>
+      <p:ext uri="{BB962C8B-B14F-4D97-AF65-F5344CB8AC3E}">
+        <p14:creationId xmlns:p14="http://schemas.microsoft.com/office/powerpoint/2010/main" val="1820211293"/>
+      </p:ext>
+    </p:extLst>
+  </p:cSld>
+  <p:clrMapOvr>
+    <a:masterClrMapping/>
+  </p:clrMapOvr>
+</p:sld>
+</file>
+
+<file path=ppt/slides/slide12.xml><?xml version="1.0" encoding="utf-8"?>
+<p:sld xmlns:a="http://schemas.openxmlformats.org/drawingml/2006/main" xmlns:r="http://schemas.openxmlformats.org/officeDocument/2006/relationships" xmlns:p="http://schemas.openxmlformats.org/presentationml/2006/main">
+  <p:cSld>
+    <p:spTree>
+      <p:nvGrpSpPr>
+        <p:cNvPr id="1" name=""/>
+        <p:cNvGrpSpPr/>
+        <p:nvPr/>
+      </p:nvGrpSpPr>
+      <p:grpSpPr>
+        <a:xfrm>
+          <a:off x="0" y="0"/>
+          <a:ext cx="0" cy="0"/>
+          <a:chOff x="0" y="0"/>
+          <a:chExt cx="0" cy="0"/>
+        </a:xfrm>
+      </p:grpSpPr>
+      <p:sp>
+        <p:nvSpPr>
+          <p:cNvPr id="2" name="Title 1"/>
+          <p:cNvSpPr>
+            <a:spLocks noGrp="1"/>
+          </p:cNvSpPr>
+          <p:nvPr>
+            <p:ph type="title"/>
+          </p:nvPr>
+        </p:nvSpPr>
+        <p:spPr/>
+        <p:txBody>
+          <a:bodyPr/>
+          <a:lstStyle/>
+          <a:p>
+            <a:r>
+              <a:rPr lang="en-US" dirty="0" smtClean="0"/>
+              <a:t>compilation</a:t>
+            </a:r>
+            <a:endParaRPr lang="en-US" dirty="0"/>
+          </a:p>
+        </p:txBody>
+      </p:sp>
+      <p:sp>
+        <p:nvSpPr>
+          <p:cNvPr id="3" name="Content Placeholder 2"/>
+          <p:cNvSpPr>
+            <a:spLocks noGrp="1"/>
+          </p:cNvSpPr>
+          <p:nvPr>
+            <p:ph idx="1"/>
+          </p:nvPr>
+        </p:nvSpPr>
+        <p:spPr/>
+        <p:txBody>
+          <a:bodyPr>
+            <a:normAutofit/>
+          </a:bodyPr>
+          <a:lstStyle/>
+          <a:p>
+            <a:r>
+              <a:rPr lang="en-US" sz="2400" dirty="0" err="1" smtClean="0"/>
+              <a:t>AutoIt</a:t>
+            </a:r>
+            <a:r>
+              <a:rPr lang="en-US" sz="2400" dirty="0" smtClean="0"/>
+              <a:t> scripts can be compiled and packaged directly into a .exe </a:t>
+            </a:r>
+            <a:r>
+              <a:rPr lang="en-US" sz="2400" dirty="0" smtClean="0"/>
+              <a:t>file</a:t>
+            </a:r>
+          </a:p>
+          <a:p>
+            <a:pPr lvl="1"/>
+            <a:r>
+              <a:rPr lang="en-US" sz="1800" dirty="0" smtClean="0"/>
+              <a:t>The script is compressed and encrypted in the process</a:t>
+            </a:r>
+            <a:endParaRPr lang="en-US" sz="1800" dirty="0" smtClean="0"/>
+          </a:p>
+          <a:p>
+            <a:r>
+              <a:rPr lang="en-US" sz="2400" dirty="0" smtClean="0"/>
+              <a:t>The compiled .exe can be run on any Windows machine</a:t>
+            </a:r>
+          </a:p>
+          <a:p>
+            <a:pPr lvl="1"/>
+            <a:r>
+              <a:rPr lang="en-US" sz="1800" dirty="0" smtClean="0"/>
+              <a:t>Even if the machine doesn’t have </a:t>
+            </a:r>
+            <a:r>
+              <a:rPr lang="en-US" sz="1800" dirty="0" err="1" smtClean="0"/>
+              <a:t>AutoIt</a:t>
+            </a:r>
+            <a:r>
+              <a:rPr lang="en-US" sz="1800" dirty="0" smtClean="0"/>
+              <a:t> installed</a:t>
+            </a:r>
+            <a:endParaRPr lang="en-US" sz="1800" dirty="0"/>
+          </a:p>
+        </p:txBody>
+      </p:sp>
+    </p:spTree>
+    <p:extLst>
+      <p:ext uri="{BB962C8B-B14F-4D97-AF65-F5344CB8AC3E}">
+        <p14:creationId xmlns:p14="http://schemas.microsoft.com/office/powerpoint/2010/main" val="3716742672"/>
+      </p:ext>
+    </p:extLst>
+  </p:cSld>
+  <p:clrMapOvr>
+    <a:masterClrMapping/>
+  </p:clrMapOvr>
+</p:sld>
+</file>
+
+<file path=ppt/slides/slide13.xml><?xml version="1.0" encoding="utf-8"?>
+<p:sld xmlns:a="http://schemas.openxmlformats.org/drawingml/2006/main" xmlns:r="http://schemas.openxmlformats.org/officeDocument/2006/relationships" xmlns:p="http://schemas.openxmlformats.org/presentationml/2006/main">
+  <p:cSld>
+    <p:spTree>
+      <p:nvGrpSpPr>
+        <p:cNvPr id="1" name=""/>
+        <p:cNvGrpSpPr/>
+        <p:nvPr/>
+      </p:nvGrpSpPr>
+      <p:grpSpPr>
+        <a:xfrm>
+          <a:off x="0" y="0"/>
+          <a:ext cx="0" cy="0"/>
+          <a:chOff x="0" y="0"/>
+          <a:chExt cx="0" cy="0"/>
+        </a:xfrm>
+      </p:grpSpPr>
+      <p:sp>
+        <p:nvSpPr>
+          <p:cNvPr id="2" name="Title 1"/>
+          <p:cNvSpPr>
+            <a:spLocks noGrp="1"/>
+          </p:cNvSpPr>
+          <p:nvPr>
+            <p:ph type="title"/>
+          </p:nvPr>
+        </p:nvSpPr>
+        <p:spPr/>
+        <p:txBody>
+          <a:bodyPr/>
+          <a:lstStyle/>
+          <a:p>
+            <a:r>
+              <a:rPr lang="en-US" dirty="0" smtClean="0"/>
+              <a:t>The end</a:t>
+            </a:r>
+            <a:endParaRPr lang="en-US" dirty="0"/>
+          </a:p>
+        </p:txBody>
+      </p:sp>
+      <p:sp>
+        <p:nvSpPr>
+          <p:cNvPr id="3" name="Content Placeholder 2"/>
+          <p:cNvSpPr>
+            <a:spLocks noGrp="1"/>
+          </p:cNvSpPr>
+          <p:nvPr>
+            <p:ph idx="1"/>
+          </p:nvPr>
+        </p:nvSpPr>
+        <p:spPr/>
+        <p:txBody>
+          <a:bodyPr/>
+          <a:lstStyle/>
+          <a:p>
+            <a:endParaRPr lang="en-US" dirty="0"/>
+          </a:p>
+        </p:txBody>
+      </p:sp>
+    </p:spTree>
+    <p:extLst>
+      <p:ext uri="{BB962C8B-B14F-4D97-AF65-F5344CB8AC3E}">
+        <p14:creationId xmlns:p14="http://schemas.microsoft.com/office/powerpoint/2010/main" val="3238034260"/>
+      </p:ext>
+    </p:extLst>
+  </p:cSld>
+  <p:clrMapOvr>
+    <a:masterClrMapping/>
+  </p:clrMapOvr>
+</p:sld>
+</file>
+
 <file path=ppt/slides/slide2.xml><?xml version="1.0" encoding="utf-8"?>
 <p:sld xmlns:a="http://schemas.openxmlformats.org/drawingml/2006/main" xmlns:r="http://schemas.openxmlformats.org/officeDocument/2006/relationships" xmlns:p="http://schemas.openxmlformats.org/presentationml/2006/main">
   <p:cSld>
@@ -14426,11 +15593,7 @@
           <a:p>
             <a:r>
               <a:rPr lang="en-US" sz="2800" dirty="0" smtClean="0"/>
-              <a:t>It was </a:t>
-            </a:r>
-            <a:r>
-              <a:rPr lang="en-US" sz="2800" dirty="0" smtClean="0"/>
-              <a:t>created by Jonathan </a:t>
+              <a:t>It was created by Jonathan </a:t>
             </a:r>
             <a:r>
               <a:rPr lang="en-US" sz="2800" dirty="0" err="1" smtClean="0"/>
@@ -14442,37 +15605,20 @@
             <a:pPr lvl="1"/>
             <a:r>
               <a:rPr lang="en-US" sz="2400" dirty="0" smtClean="0"/>
-              <a:t>Started the project in </a:t>
-            </a:r>
+              <a:t>Started the project in 1998</a:t>
+            </a:r>
+          </a:p>
+          <a:p>
+            <a:r>
+              <a:rPr lang="en-US" sz="2800" dirty="0" smtClean="0"/>
+              <a:t>Its initial reason for development was to automate the build process for a machine</a:t>
+            </a:r>
+          </a:p>
+          <a:p>
+            <a:pPr lvl="1"/>
             <a:r>
               <a:rPr lang="en-US" sz="2400" dirty="0" smtClean="0"/>
-              <a:t>1998</a:t>
-            </a:r>
-          </a:p>
-          <a:p>
-            <a:r>
-              <a:rPr lang="en-US" sz="2800" dirty="0" smtClean="0"/>
-              <a:t>Its initial reason for development was to automate </a:t>
-            </a:r>
-            <a:r>
-              <a:rPr lang="en-US" sz="2800" dirty="0" smtClean="0"/>
-              <a:t>the </a:t>
-            </a:r>
-            <a:r>
-              <a:rPr lang="en-US" sz="2800" dirty="0" smtClean="0"/>
-              <a:t>build process for a machine</a:t>
-            </a:r>
-            <a:endParaRPr lang="en-US" sz="2800" dirty="0" smtClean="0"/>
-          </a:p>
-          <a:p>
-            <a:pPr lvl="1"/>
-            <a:r>
-              <a:rPr lang="en-US" sz="2400" dirty="0" smtClean="0"/>
-              <a:t>Ex. to silently </a:t>
-            </a:r>
-            <a:r>
-              <a:rPr lang="en-US" sz="2400" dirty="0" smtClean="0"/>
-              <a:t>install several applications</a:t>
+              <a:t>Ex. to silently install several applications</a:t>
             </a:r>
             <a:endParaRPr lang="en-US" sz="2400" dirty="0"/>
           </a:p>
@@ -14533,6 +15679,347 @@
           <a:p>
             <a:r>
               <a:rPr lang="en-US" dirty="0" smtClean="0"/>
+              <a:t>automation</a:t>
+            </a:r>
+            <a:endParaRPr lang="en-US" dirty="0"/>
+          </a:p>
+        </p:txBody>
+      </p:sp>
+      <p:sp>
+        <p:nvSpPr>
+          <p:cNvPr id="3" name="Content Placeholder 2"/>
+          <p:cNvSpPr>
+            <a:spLocks noGrp="1"/>
+          </p:cNvSpPr>
+          <p:nvPr>
+            <p:ph idx="1"/>
+          </p:nvPr>
+        </p:nvSpPr>
+        <p:spPr/>
+        <p:txBody>
+          <a:bodyPr/>
+          <a:lstStyle/>
+          <a:p>
+            <a:r>
+              <a:rPr lang="en-US" sz="2400" dirty="0" smtClean="0"/>
+              <a:t>The </a:t>
+            </a:r>
+            <a:r>
+              <a:rPr lang="en-US" sz="2400" dirty="0" err="1" smtClean="0"/>
+              <a:t>AutoIt</a:t>
+            </a:r>
+            <a:r>
+              <a:rPr lang="en-US" sz="2400" dirty="0" smtClean="0"/>
+              <a:t> language is based around automation</a:t>
+            </a:r>
+          </a:p>
+          <a:p>
+            <a:r>
+              <a:rPr lang="en-US" sz="2400" dirty="0" smtClean="0"/>
+              <a:t>Automation is used to create tasks in a way not possible or reliable with other languages</a:t>
+            </a:r>
+          </a:p>
+          <a:p>
+            <a:r>
+              <a:rPr lang="en-US" sz="2400" dirty="0" smtClean="0"/>
+              <a:t>It uses a combination of:</a:t>
+            </a:r>
+          </a:p>
+          <a:p>
+            <a:pPr lvl="1"/>
+            <a:r>
+              <a:rPr lang="en-US" sz="1800" dirty="0" smtClean="0"/>
+              <a:t>Keyboard strokes</a:t>
+            </a:r>
+          </a:p>
+          <a:p>
+            <a:pPr lvl="1"/>
+            <a:r>
+              <a:rPr lang="en-US" sz="1800" dirty="0" smtClean="0"/>
+              <a:t>Mouse movement</a:t>
+            </a:r>
+          </a:p>
+          <a:p>
+            <a:pPr lvl="1"/>
+            <a:r>
+              <a:rPr lang="en-US" sz="1800" dirty="0" smtClean="0"/>
+              <a:t>Window manipulation</a:t>
+            </a:r>
+          </a:p>
+          <a:p>
+            <a:pPr lvl="1"/>
+            <a:r>
+              <a:rPr lang="en-US" sz="1800" dirty="0" smtClean="0"/>
+              <a:t>Other direct calls to external DLLs and Windows API functions</a:t>
+            </a:r>
+          </a:p>
+          <a:p>
+            <a:pPr lvl="1"/>
+            <a:endParaRPr lang="en-US" dirty="0"/>
+          </a:p>
+        </p:txBody>
+      </p:sp>
+    </p:spTree>
+    <p:extLst>
+      <p:ext uri="{BB962C8B-B14F-4D97-AF65-F5344CB8AC3E}">
+        <p14:creationId xmlns:p14="http://schemas.microsoft.com/office/powerpoint/2010/main" val="1000271221"/>
+      </p:ext>
+    </p:extLst>
+  </p:cSld>
+  <p:clrMapOvr>
+    <a:masterClrMapping/>
+  </p:clrMapOvr>
+</p:sld>
+</file>
+
+<file path=ppt/slides/slide4.xml><?xml version="1.0" encoding="utf-8"?>
+<p:sld xmlns:a="http://schemas.openxmlformats.org/drawingml/2006/main" xmlns:r="http://schemas.openxmlformats.org/officeDocument/2006/relationships" xmlns:p="http://schemas.openxmlformats.org/presentationml/2006/main">
+  <p:cSld>
+    <p:spTree>
+      <p:nvGrpSpPr>
+        <p:cNvPr id="1" name=""/>
+        <p:cNvGrpSpPr/>
+        <p:nvPr/>
+      </p:nvGrpSpPr>
+      <p:grpSpPr>
+        <a:xfrm>
+          <a:off x="0" y="0"/>
+          <a:ext cx="0" cy="0"/>
+          <a:chOff x="0" y="0"/>
+          <a:chExt cx="0" cy="0"/>
+        </a:xfrm>
+      </p:grpSpPr>
+      <p:sp>
+        <p:nvSpPr>
+          <p:cNvPr id="2" name="Title 1"/>
+          <p:cNvSpPr>
+            <a:spLocks noGrp="1"/>
+          </p:cNvSpPr>
+          <p:nvPr>
+            <p:ph type="title"/>
+          </p:nvPr>
+        </p:nvSpPr>
+        <p:spPr/>
+        <p:txBody>
+          <a:bodyPr/>
+          <a:lstStyle/>
+          <a:p>
+            <a:r>
+              <a:rPr lang="en-US" dirty="0" smtClean="0"/>
+              <a:t>Demonstration</a:t>
+            </a:r>
+            <a:endParaRPr lang="en-US" dirty="0"/>
+          </a:p>
+        </p:txBody>
+      </p:sp>
+      <p:sp>
+        <p:nvSpPr>
+          <p:cNvPr id="3" name="Content Placeholder 2"/>
+          <p:cNvSpPr>
+            <a:spLocks noGrp="1"/>
+          </p:cNvSpPr>
+          <p:nvPr>
+            <p:ph idx="1"/>
+          </p:nvPr>
+        </p:nvSpPr>
+        <p:spPr/>
+        <p:txBody>
+          <a:bodyPr/>
+          <a:lstStyle/>
+          <a:p>
+            <a:endParaRPr lang="en-US" dirty="0"/>
+          </a:p>
+        </p:txBody>
+      </p:sp>
+    </p:spTree>
+    <p:extLst>
+      <p:ext uri="{BB962C8B-B14F-4D97-AF65-F5344CB8AC3E}">
+        <p14:creationId xmlns:p14="http://schemas.microsoft.com/office/powerpoint/2010/main" val="1750345288"/>
+      </p:ext>
+    </p:extLst>
+  </p:cSld>
+  <p:clrMapOvr>
+    <a:masterClrMapping/>
+  </p:clrMapOvr>
+</p:sld>
+</file>
+
+<file path=ppt/slides/slide5.xml><?xml version="1.0" encoding="utf-8"?>
+<p:sld xmlns:a="http://schemas.openxmlformats.org/drawingml/2006/main" xmlns:r="http://schemas.openxmlformats.org/officeDocument/2006/relationships" xmlns:p="http://schemas.openxmlformats.org/presentationml/2006/main">
+  <p:cSld>
+    <p:spTree>
+      <p:nvGrpSpPr>
+        <p:cNvPr id="1" name=""/>
+        <p:cNvGrpSpPr/>
+        <p:nvPr/>
+      </p:nvGrpSpPr>
+      <p:grpSpPr>
+        <a:xfrm>
+          <a:off x="0" y="0"/>
+          <a:ext cx="0" cy="0"/>
+          <a:chOff x="0" y="0"/>
+          <a:chExt cx="0" cy="0"/>
+        </a:xfrm>
+      </p:grpSpPr>
+      <p:sp>
+        <p:nvSpPr>
+          <p:cNvPr id="2" name="Title 1"/>
+          <p:cNvSpPr>
+            <a:spLocks noGrp="1"/>
+          </p:cNvSpPr>
+          <p:nvPr>
+            <p:ph type="title"/>
+          </p:nvPr>
+        </p:nvSpPr>
+        <p:spPr/>
+        <p:txBody>
+          <a:bodyPr/>
+          <a:lstStyle/>
+          <a:p>
+            <a:r>
+              <a:rPr lang="en-US" dirty="0" smtClean="0"/>
+              <a:t>Smaller picture</a:t>
+            </a:r>
+            <a:endParaRPr lang="en-US" dirty="0"/>
+          </a:p>
+        </p:txBody>
+      </p:sp>
+      <p:sp>
+        <p:nvSpPr>
+          <p:cNvPr id="3" name="Content Placeholder 2"/>
+          <p:cNvSpPr>
+            <a:spLocks noGrp="1"/>
+          </p:cNvSpPr>
+          <p:nvPr>
+            <p:ph idx="1"/>
+          </p:nvPr>
+        </p:nvSpPr>
+        <p:spPr/>
+        <p:txBody>
+          <a:bodyPr/>
+          <a:lstStyle/>
+          <a:p>
+            <a:r>
+              <a:rPr lang="en-US" sz="2400" dirty="0" smtClean="0"/>
+              <a:t>The </a:t>
+            </a:r>
+            <a:r>
+              <a:rPr lang="en-US" sz="2400" dirty="0"/>
+              <a:t>syntax of </a:t>
+            </a:r>
+            <a:r>
+              <a:rPr lang="en-US" sz="2400" dirty="0" err="1"/>
+              <a:t>AutoIt</a:t>
+            </a:r>
+            <a:r>
+              <a:rPr lang="en-US" sz="2400" dirty="0"/>
+              <a:t> is based on the language </a:t>
+            </a:r>
+            <a:r>
+              <a:rPr lang="en-US" sz="2400" dirty="0" smtClean="0"/>
+              <a:t>BASIC</a:t>
+            </a:r>
+          </a:p>
+          <a:p>
+            <a:r>
+              <a:rPr lang="en-US" sz="2400" dirty="0" err="1"/>
+              <a:t>AutoIt</a:t>
+            </a:r>
+            <a:r>
+              <a:rPr lang="en-US" sz="2400" dirty="0"/>
+              <a:t> is a scripting </a:t>
+            </a:r>
+            <a:r>
+              <a:rPr lang="en-US" sz="2400" dirty="0" smtClean="0"/>
+              <a:t>language</a:t>
+            </a:r>
+          </a:p>
+          <a:p>
+            <a:pPr lvl="1"/>
+            <a:r>
+              <a:rPr lang="en-US" sz="1800" dirty="0" smtClean="0"/>
+              <a:t>There is no “main” routine</a:t>
+            </a:r>
+          </a:p>
+          <a:p>
+            <a:pPr lvl="1"/>
+            <a:r>
+              <a:rPr lang="en-US" sz="1800" dirty="0" smtClean="0"/>
+              <a:t>All code outside of any enclosing blocks is executed from top to bottom once the script starts</a:t>
+            </a:r>
+          </a:p>
+          <a:p>
+            <a:r>
+              <a:rPr lang="en-US" sz="2400" dirty="0"/>
+              <a:t>All </a:t>
+            </a:r>
+            <a:r>
+              <a:rPr lang="en-US" sz="2400" dirty="0" smtClean="0"/>
+              <a:t>identifiers </a:t>
+            </a:r>
+            <a:r>
+              <a:rPr lang="en-US" sz="2400" dirty="0"/>
+              <a:t>are case insensitive </a:t>
+            </a:r>
+          </a:p>
+          <a:p>
+            <a:endParaRPr lang="en-US" sz="1800" dirty="0"/>
+          </a:p>
+          <a:p>
+            <a:endParaRPr lang="en-US" dirty="0"/>
+          </a:p>
+          <a:p>
+            <a:endParaRPr lang="en-US" dirty="0"/>
+          </a:p>
+        </p:txBody>
+      </p:sp>
+    </p:spTree>
+    <p:extLst>
+      <p:ext uri="{BB962C8B-B14F-4D97-AF65-F5344CB8AC3E}">
+        <p14:creationId xmlns:p14="http://schemas.microsoft.com/office/powerpoint/2010/main" val="413995961"/>
+      </p:ext>
+    </p:extLst>
+  </p:cSld>
+  <p:clrMapOvr>
+    <a:masterClrMapping/>
+  </p:clrMapOvr>
+</p:sld>
+</file>
+
+<file path=ppt/slides/slide6.xml><?xml version="1.0" encoding="utf-8"?>
+<p:sld xmlns:a="http://schemas.openxmlformats.org/drawingml/2006/main" xmlns:r="http://schemas.openxmlformats.org/officeDocument/2006/relationships" xmlns:p="http://schemas.openxmlformats.org/presentationml/2006/main">
+  <p:cSld>
+    <p:spTree>
+      <p:nvGrpSpPr>
+        <p:cNvPr id="1" name=""/>
+        <p:cNvGrpSpPr/>
+        <p:nvPr/>
+      </p:nvGrpSpPr>
+      <p:grpSpPr>
+        <a:xfrm>
+          <a:off x="0" y="0"/>
+          <a:ext cx="0" cy="0"/>
+          <a:chOff x="0" y="0"/>
+          <a:chExt cx="0" cy="0"/>
+        </a:xfrm>
+      </p:grpSpPr>
+      <p:sp>
+        <p:nvSpPr>
+          <p:cNvPr id="2" name="Title 1"/>
+          <p:cNvSpPr>
+            <a:spLocks noGrp="1"/>
+          </p:cNvSpPr>
+          <p:nvPr>
+            <p:ph type="title"/>
+          </p:nvPr>
+        </p:nvSpPr>
+        <p:spPr/>
+        <p:txBody>
+          <a:bodyPr/>
+          <a:lstStyle/>
+          <a:p>
+            <a:r>
+              <a:rPr lang="en-US" dirty="0" smtClean="0"/>
               <a:t>Code examples</a:t>
             </a:r>
             <a:endParaRPr lang="en-US" dirty="0"/>
@@ -14547,7 +16034,7 @@
         </p:nvSpPr>
         <p:spPr>
           <a:xfrm>
-            <a:off x="381000" y="2874402"/>
+            <a:off x="380999" y="2188602"/>
             <a:ext cx="4088170" cy="2585323"/>
           </a:xfrm>
           <a:prstGeom prst="rect">
@@ -15246,7 +16733,7 @@
         </p:nvSpPr>
         <p:spPr>
           <a:xfrm>
-            <a:off x="381000" y="2362200"/>
+            <a:off x="380999" y="1676400"/>
             <a:ext cx="3581173" cy="461665"/>
           </a:xfrm>
           <a:prstGeom prst="rect">
@@ -15276,7 +16763,7 @@
         </p:nvSpPr>
         <p:spPr>
           <a:xfrm>
-            <a:off x="4814774" y="2866763"/>
+            <a:off x="4814773" y="2180963"/>
             <a:ext cx="3764941" cy="923330"/>
           </a:xfrm>
           <a:prstGeom prst="rect">
@@ -15460,7 +16947,7 @@
         </p:nvSpPr>
         <p:spPr>
           <a:xfrm>
-            <a:off x="4814774" y="2362200"/>
+            <a:off x="4814773" y="1676400"/>
             <a:ext cx="3988977" cy="461665"/>
           </a:xfrm>
           <a:prstGeom prst="rect">
@@ -15490,7 +16977,7 @@
         </p:nvSpPr>
         <p:spPr>
           <a:xfrm>
-            <a:off x="4814774" y="4813394"/>
+            <a:off x="4814773" y="4127594"/>
             <a:ext cx="3764941" cy="646331"/>
           </a:xfrm>
           <a:prstGeom prst="rect">
@@ -15686,7 +17173,7 @@
         </p:nvSpPr>
         <p:spPr>
           <a:xfrm>
-            <a:off x="4805913" y="3977701"/>
+            <a:off x="4805912" y="3291901"/>
             <a:ext cx="3734227" cy="830997"/>
           </a:xfrm>
           <a:prstGeom prst="rect">
@@ -15709,44 +17196,6 @@
             <a:r>
               <a:rPr lang="en-US" sz="2400" dirty="0" smtClean="0"/>
               <a:t>play an annoying sound</a:t>
-            </a:r>
-            <a:endParaRPr lang="en-US" sz="2400" dirty="0"/>
-          </a:p>
-        </p:txBody>
-      </p:sp>
-      <p:sp>
-        <p:nvSpPr>
-          <p:cNvPr id="12" name="Content Placeholder 2"/>
-          <p:cNvSpPr>
-            <a:spLocks noGrp="1"/>
-          </p:cNvSpPr>
-          <p:nvPr>
-            <p:ph idx="1"/>
-          </p:nvPr>
-        </p:nvSpPr>
-        <p:spPr>
-          <a:xfrm>
-            <a:off x="457200" y="1600200"/>
-            <a:ext cx="8001000" cy="762000"/>
-          </a:xfrm>
-        </p:spPr>
-        <p:txBody>
-          <a:bodyPr>
-            <a:normAutofit/>
-          </a:bodyPr>
-          <a:lstStyle/>
-          <a:p>
-            <a:r>
-              <a:rPr lang="en-US" sz="2800" dirty="0" smtClean="0"/>
-              <a:t>The syntax of </a:t>
-            </a:r>
-            <a:r>
-              <a:rPr lang="en-US" sz="2800" dirty="0" err="1" smtClean="0"/>
-              <a:t>AutoIt</a:t>
-            </a:r>
-            <a:r>
-              <a:rPr lang="en-US" sz="2800" dirty="0" smtClean="0"/>
-              <a:t> is based on the language BASIC</a:t>
             </a:r>
             <a:endParaRPr lang="en-US" sz="2400" dirty="0"/>
           </a:p>
@@ -15773,7 +17222,7 @@
 </p:sld>
 </file>
 
-<file path=ppt/slides/slide4.xml><?xml version="1.0" encoding="utf-8"?>
+<file path=ppt/slides/slide7.xml><?xml version="1.0" encoding="utf-8"?>
 <p:sld xmlns:a="http://schemas.openxmlformats.org/drawingml/2006/main" xmlns:r="http://schemas.openxmlformats.org/officeDocument/2006/relationships" xmlns:p="http://schemas.openxmlformats.org/presentationml/2006/main">
   <p:cSld>
     <p:spTree>
@@ -16941,488 +18390,6 @@
 </p:sld>
 </file>
 
-<file path=ppt/slides/slide5.xml><?xml version="1.0" encoding="utf-8"?>
-<p:sld xmlns:a="http://schemas.openxmlformats.org/drawingml/2006/main" xmlns:r="http://schemas.openxmlformats.org/officeDocument/2006/relationships" xmlns:p="http://schemas.openxmlformats.org/presentationml/2006/main">
-  <p:cSld>
-    <p:spTree>
-      <p:nvGrpSpPr>
-        <p:cNvPr id="1" name=""/>
-        <p:cNvGrpSpPr/>
-        <p:nvPr/>
-      </p:nvGrpSpPr>
-      <p:grpSpPr>
-        <a:xfrm>
-          <a:off x="0" y="0"/>
-          <a:ext cx="0" cy="0"/>
-          <a:chOff x="0" y="0"/>
-          <a:chExt cx="0" cy="0"/>
-        </a:xfrm>
-      </p:grpSpPr>
-      <p:sp>
-        <p:nvSpPr>
-          <p:cNvPr id="2" name="Title 1"/>
-          <p:cNvSpPr>
-            <a:spLocks noGrp="1"/>
-          </p:cNvSpPr>
-          <p:nvPr>
-            <p:ph type="title"/>
-          </p:nvPr>
-        </p:nvSpPr>
-        <p:spPr/>
-        <p:txBody>
-          <a:bodyPr/>
-          <a:lstStyle/>
-          <a:p>
-            <a:r>
-              <a:rPr lang="en-US" dirty="0" err="1" smtClean="0"/>
-              <a:t>Datatypes</a:t>
-            </a:r>
-            <a:endParaRPr lang="en-US" dirty="0"/>
-          </a:p>
-        </p:txBody>
-      </p:sp>
-      <p:sp>
-        <p:nvSpPr>
-          <p:cNvPr id="3" name="Content Placeholder 2"/>
-          <p:cNvSpPr>
-            <a:spLocks noGrp="1"/>
-          </p:cNvSpPr>
-          <p:nvPr>
-            <p:ph idx="1"/>
-          </p:nvPr>
-        </p:nvSpPr>
-        <p:spPr/>
-        <p:txBody>
-          <a:bodyPr>
-            <a:noAutofit/>
-          </a:bodyPr>
-          <a:lstStyle/>
-          <a:p>
-            <a:r>
-              <a:rPr lang="en-US" sz="2400" dirty="0" smtClean="0"/>
-              <a:t>There </a:t>
-            </a:r>
-            <a:r>
-              <a:rPr lang="en-US" sz="2400" dirty="0" smtClean="0"/>
-              <a:t>i</a:t>
-            </a:r>
-            <a:r>
-              <a:rPr lang="en-US" sz="2400" dirty="0" smtClean="0"/>
-              <a:t>s only a single </a:t>
-            </a:r>
-            <a:r>
-              <a:rPr lang="en-US" sz="2400" dirty="0" err="1" smtClean="0"/>
-              <a:t>datatyp</a:t>
-            </a:r>
-            <a:r>
-              <a:rPr lang="en-US" sz="2400" dirty="0" err="1" smtClean="0"/>
-              <a:t>e</a:t>
-            </a:r>
-            <a:r>
-              <a:rPr lang="en-US" sz="2400" dirty="0" smtClean="0"/>
-              <a:t> (c</a:t>
-            </a:r>
-            <a:r>
-              <a:rPr lang="en-US" sz="2400" dirty="0" smtClean="0"/>
-              <a:t>alled a Variant)</a:t>
-            </a:r>
-          </a:p>
-          <a:p>
-            <a:r>
-              <a:rPr lang="en-US" sz="2400" dirty="0" smtClean="0"/>
-              <a:t>A Variant can contain </a:t>
-            </a:r>
-            <a:r>
-              <a:rPr lang="en-US" sz="2400" dirty="0" smtClean="0"/>
-              <a:t>any kind of </a:t>
-            </a:r>
-            <a:r>
-              <a:rPr lang="en-US" sz="2400" dirty="0" smtClean="0"/>
-              <a:t>data (ex. </a:t>
-            </a:r>
-            <a:r>
-              <a:rPr lang="en-US" sz="2400" dirty="0" err="1"/>
-              <a:t>i</a:t>
-            </a:r>
-            <a:r>
-              <a:rPr lang="en-US" sz="2400" dirty="0" err="1" smtClean="0"/>
-              <a:t>nt</a:t>
-            </a:r>
-            <a:r>
-              <a:rPr lang="en-US" sz="2400" dirty="0" smtClean="0"/>
-              <a:t>, string, </a:t>
-            </a:r>
-            <a:r>
-              <a:rPr lang="en-US" sz="2400" dirty="0" err="1"/>
-              <a:t>b</a:t>
-            </a:r>
-            <a:r>
-              <a:rPr lang="en-US" sz="2400" dirty="0" err="1" smtClean="0"/>
-              <a:t>ool</a:t>
-            </a:r>
-            <a:r>
-              <a:rPr lang="en-US" sz="2400" dirty="0" smtClean="0"/>
-              <a:t>)</a:t>
-            </a:r>
-          </a:p>
-          <a:p>
-            <a:pPr lvl="1"/>
-            <a:r>
-              <a:rPr lang="en-US" sz="1800" dirty="0" smtClean="0"/>
-              <a:t>This makes </a:t>
-            </a:r>
-            <a:r>
-              <a:rPr lang="en-US" sz="1800" dirty="0" err="1" smtClean="0"/>
-              <a:t>AutoIt</a:t>
-            </a:r>
-            <a:r>
-              <a:rPr lang="en-US" sz="1800" dirty="0" smtClean="0"/>
-              <a:t> weakly typed</a:t>
-            </a:r>
-          </a:p>
-          <a:p>
-            <a:pPr lvl="2"/>
-            <a:r>
-              <a:rPr lang="en-US" sz="1600" dirty="0" smtClean="0"/>
-              <a:t>Don’t have to specify what each variable will store</a:t>
-            </a:r>
-          </a:p>
-          <a:p>
-            <a:pPr lvl="2"/>
-            <a:r>
-              <a:rPr lang="en-US" sz="1600" dirty="0" err="1" smtClean="0"/>
-              <a:t>AutoIt</a:t>
-            </a:r>
-            <a:r>
-              <a:rPr lang="en-US" sz="1600" dirty="0" smtClean="0"/>
-              <a:t> will decide how to use the data depending on situation</a:t>
-            </a:r>
-            <a:endParaRPr lang="en-US" sz="1800" dirty="0" smtClean="0"/>
-          </a:p>
-          <a:p>
-            <a:r>
-              <a:rPr lang="en-US" sz="2400" dirty="0" smtClean="0"/>
-              <a:t>Ex.</a:t>
-            </a:r>
-          </a:p>
-          <a:p>
-            <a:pPr lvl="1"/>
-            <a:r>
-              <a:rPr lang="en-US" sz="1800" dirty="0" smtClean="0"/>
-              <a:t>10 * 20 equals the number 200</a:t>
-            </a:r>
-          </a:p>
-          <a:p>
-            <a:pPr lvl="1"/>
-            <a:r>
-              <a:rPr lang="en-US" sz="1800" dirty="0" smtClean="0"/>
-              <a:t>10 * “20” equals the number 200</a:t>
-            </a:r>
-          </a:p>
-          <a:p>
-            <a:pPr lvl="1"/>
-            <a:r>
-              <a:rPr lang="en-US" sz="1800" dirty="0" smtClean="0"/>
-              <a:t>“10” * “20</a:t>
-            </a:r>
-            <a:r>
-              <a:rPr lang="en-US" sz="1800" dirty="0" smtClean="0"/>
-              <a:t>” equals the number 200</a:t>
-            </a:r>
-          </a:p>
-          <a:p>
-            <a:pPr lvl="1"/>
-            <a:r>
-              <a:rPr lang="en-US" sz="1800" dirty="0" smtClean="0"/>
-              <a:t>10 &amp; 20 equals the string “1020”</a:t>
-            </a:r>
-          </a:p>
-          <a:p>
-            <a:pPr marL="468630" lvl="1" indent="0">
-              <a:buNone/>
-            </a:pPr>
-            <a:endParaRPr lang="en-US" sz="1800" dirty="0"/>
-          </a:p>
-        </p:txBody>
-      </p:sp>
-    </p:spTree>
-    <p:extLst>
-      <p:ext uri="{BB962C8B-B14F-4D97-AF65-F5344CB8AC3E}">
-        <p14:creationId xmlns:p14="http://schemas.microsoft.com/office/powerpoint/2010/main" val="1304050691"/>
-      </p:ext>
-    </p:extLst>
-  </p:cSld>
-  <p:clrMapOvr>
-    <a:masterClrMapping/>
-  </p:clrMapOvr>
-</p:sld>
-</file>
-
-<file path=ppt/slides/slide6.xml><?xml version="1.0" encoding="utf-8"?>
-<p:sld xmlns:a="http://schemas.openxmlformats.org/drawingml/2006/main" xmlns:r="http://schemas.openxmlformats.org/officeDocument/2006/relationships" xmlns:p="http://schemas.openxmlformats.org/presentationml/2006/main">
-  <p:cSld>
-    <p:spTree>
-      <p:nvGrpSpPr>
-        <p:cNvPr id="1" name=""/>
-        <p:cNvGrpSpPr/>
-        <p:nvPr/>
-      </p:nvGrpSpPr>
-      <p:grpSpPr>
-        <a:xfrm>
-          <a:off x="0" y="0"/>
-          <a:ext cx="0" cy="0"/>
-          <a:chOff x="0" y="0"/>
-          <a:chExt cx="0" cy="0"/>
-        </a:xfrm>
-      </p:grpSpPr>
-      <p:sp>
-        <p:nvSpPr>
-          <p:cNvPr id="2" name="Title 1"/>
-          <p:cNvSpPr>
-            <a:spLocks noGrp="1"/>
-          </p:cNvSpPr>
-          <p:nvPr>
-            <p:ph type="title"/>
-          </p:nvPr>
-        </p:nvSpPr>
-        <p:spPr/>
-        <p:txBody>
-          <a:bodyPr/>
-          <a:lstStyle/>
-          <a:p>
-            <a:r>
-              <a:rPr lang="en-US" dirty="0" smtClean="0"/>
-              <a:t>VARIABLES</a:t>
-            </a:r>
-            <a:endParaRPr lang="en-US" dirty="0"/>
-          </a:p>
-        </p:txBody>
-      </p:sp>
-      <p:sp>
-        <p:nvSpPr>
-          <p:cNvPr id="3" name="Content Placeholder 2"/>
-          <p:cNvSpPr>
-            <a:spLocks noGrp="1"/>
-          </p:cNvSpPr>
-          <p:nvPr>
-            <p:ph idx="1"/>
-          </p:nvPr>
-        </p:nvSpPr>
-        <p:spPr/>
-        <p:txBody>
-          <a:bodyPr>
-            <a:normAutofit/>
-          </a:bodyPr>
-          <a:lstStyle/>
-          <a:p>
-            <a:r>
-              <a:rPr lang="en-US" sz="2400" dirty="0" smtClean="0"/>
-              <a:t>All variable names begin with a dollar sign character ($)</a:t>
-            </a:r>
-          </a:p>
-          <a:p>
-            <a:r>
-              <a:rPr lang="en-US" sz="2400" dirty="0" smtClean="0"/>
-              <a:t>Scope declaration is optional</a:t>
-            </a:r>
-          </a:p>
-          <a:p>
-            <a:pPr lvl="1"/>
-            <a:r>
-              <a:rPr lang="en-US" sz="1800" dirty="0" smtClean="0"/>
-              <a:t>Explicit declaration</a:t>
-            </a:r>
-            <a:r>
-              <a:rPr lang="en-US" dirty="0" smtClean="0"/>
-              <a:t> </a:t>
-            </a:r>
-            <a:r>
-              <a:rPr lang="en-US" sz="1800" dirty="0" smtClean="0"/>
-              <a:t>– declare the variable and its scope before use</a:t>
-            </a:r>
-          </a:p>
-          <a:p>
-            <a:pPr lvl="2"/>
-            <a:r>
-              <a:rPr lang="en-US" sz="1600" dirty="0" smtClean="0"/>
-              <a:t>Local $</a:t>
-            </a:r>
-            <a:r>
-              <a:rPr lang="en-US" sz="1600" dirty="0" err="1" smtClean="0"/>
-              <a:t>varName</a:t>
-            </a:r>
-            <a:endParaRPr lang="en-US" sz="1600" dirty="0" smtClean="0"/>
-          </a:p>
-          <a:p>
-            <a:pPr lvl="2"/>
-            <a:r>
-              <a:rPr lang="en-US" sz="1600" dirty="0" smtClean="0"/>
-              <a:t>Global $</a:t>
-            </a:r>
-            <a:r>
-              <a:rPr lang="en-US" sz="1600" dirty="0" err="1" smtClean="0"/>
-              <a:t>varName</a:t>
-            </a:r>
-            <a:endParaRPr lang="en-US" sz="1600" dirty="0" smtClean="0"/>
-          </a:p>
-          <a:p>
-            <a:pPr lvl="2"/>
-            <a:r>
-              <a:rPr lang="en-US" sz="1600" dirty="0" err="1" smtClean="0"/>
-              <a:t>Const</a:t>
-            </a:r>
-            <a:r>
-              <a:rPr lang="en-US" sz="1600" dirty="0" smtClean="0"/>
-              <a:t> $</a:t>
-            </a:r>
-            <a:r>
-              <a:rPr lang="en-US" sz="1600" dirty="0" err="1" smtClean="0"/>
-              <a:t>myConst</a:t>
-            </a:r>
-            <a:r>
-              <a:rPr lang="en-US" sz="1600" dirty="0" smtClean="0"/>
-              <a:t> = 4</a:t>
-            </a:r>
-          </a:p>
-          <a:p>
-            <a:pPr lvl="2"/>
-            <a:r>
-              <a:rPr lang="en-US" sz="1600" dirty="0" err="1" smtClean="0"/>
-              <a:t>Enum</a:t>
-            </a:r>
-            <a:r>
-              <a:rPr lang="en-US" sz="1600" dirty="0" smtClean="0"/>
-              <a:t> Step 2 $myEnum1, $myEnum2, $myEnum3</a:t>
-            </a:r>
-          </a:p>
-          <a:p>
-            <a:pPr lvl="1"/>
-            <a:r>
-              <a:rPr lang="en-US" sz="1800" dirty="0" smtClean="0"/>
-              <a:t>Implicit declaration – assign a variable without declaring it</a:t>
-            </a:r>
-          </a:p>
-          <a:p>
-            <a:pPr lvl="2"/>
-            <a:r>
-              <a:rPr lang="en-US" sz="1600" dirty="0" smtClean="0"/>
-              <a:t>$</a:t>
-            </a:r>
-            <a:r>
-              <a:rPr lang="en-US" sz="1600" dirty="0" err="1" smtClean="0"/>
-              <a:t>varName</a:t>
-            </a:r>
-            <a:r>
-              <a:rPr lang="en-US" sz="1600" dirty="0" smtClean="0"/>
-              <a:t> = “Hello World”</a:t>
-            </a:r>
-          </a:p>
-          <a:p>
-            <a:pPr marL="468630" lvl="1" indent="0">
-              <a:buNone/>
-            </a:pPr>
-            <a:endParaRPr lang="en-US" sz="2000" dirty="0"/>
-          </a:p>
-        </p:txBody>
-      </p:sp>
-    </p:spTree>
-    <p:extLst>
-      <p:ext uri="{BB962C8B-B14F-4D97-AF65-F5344CB8AC3E}">
-        <p14:creationId xmlns:p14="http://schemas.microsoft.com/office/powerpoint/2010/main" val="560829331"/>
-      </p:ext>
-    </p:extLst>
-  </p:cSld>
-  <p:clrMapOvr>
-    <a:masterClrMapping/>
-  </p:clrMapOvr>
-</p:sld>
-</file>
-
-<file path=ppt/slides/slide7.xml><?xml version="1.0" encoding="utf-8"?>
-<p:sld xmlns:a="http://schemas.openxmlformats.org/drawingml/2006/main" xmlns:r="http://schemas.openxmlformats.org/officeDocument/2006/relationships" xmlns:p="http://schemas.openxmlformats.org/presentationml/2006/main">
-  <p:cSld>
-    <p:spTree>
-      <p:nvGrpSpPr>
-        <p:cNvPr id="1" name=""/>
-        <p:cNvGrpSpPr/>
-        <p:nvPr/>
-      </p:nvGrpSpPr>
-      <p:grpSpPr>
-        <a:xfrm>
-          <a:off x="0" y="0"/>
-          <a:ext cx="0" cy="0"/>
-          <a:chOff x="0" y="0"/>
-          <a:chExt cx="0" cy="0"/>
-        </a:xfrm>
-      </p:grpSpPr>
-      <p:sp>
-        <p:nvSpPr>
-          <p:cNvPr id="2" name="Title 1"/>
-          <p:cNvSpPr>
-            <a:spLocks noGrp="1"/>
-          </p:cNvSpPr>
-          <p:nvPr>
-            <p:ph type="title"/>
-          </p:nvPr>
-        </p:nvSpPr>
-        <p:spPr/>
-        <p:txBody>
-          <a:bodyPr/>
-          <a:lstStyle/>
-          <a:p>
-            <a:r>
-              <a:rPr lang="en-US" dirty="0" smtClean="0"/>
-              <a:t>CLASSES</a:t>
-            </a:r>
-            <a:endParaRPr lang="en-US" dirty="0"/>
-          </a:p>
-        </p:txBody>
-      </p:sp>
-      <p:sp>
-        <p:nvSpPr>
-          <p:cNvPr id="3" name="Content Placeholder 2"/>
-          <p:cNvSpPr>
-            <a:spLocks noGrp="1"/>
-          </p:cNvSpPr>
-          <p:nvPr>
-            <p:ph idx="1"/>
-          </p:nvPr>
-        </p:nvSpPr>
-        <p:spPr/>
-        <p:txBody>
-          <a:bodyPr/>
-          <a:lstStyle/>
-          <a:p>
-            <a:r>
-              <a:rPr lang="en-US" dirty="0" err="1" smtClean="0"/>
-              <a:t>AutoIt</a:t>
-            </a:r>
-            <a:r>
-              <a:rPr lang="en-US" dirty="0" smtClean="0"/>
-              <a:t> is a scripting language</a:t>
-            </a:r>
-          </a:p>
-          <a:p>
-            <a:r>
-              <a:rPr lang="en-US" dirty="0" smtClean="0"/>
-              <a:t>There are no classes</a:t>
-            </a:r>
-          </a:p>
-        </p:txBody>
-      </p:sp>
-    </p:spTree>
-    <p:extLst>
-      <p:ext uri="{BB962C8B-B14F-4D97-AF65-F5344CB8AC3E}">
-        <p14:creationId xmlns:p14="http://schemas.microsoft.com/office/powerpoint/2010/main" val="2472168404"/>
-      </p:ext>
-    </p:extLst>
-  </p:cSld>
-  <p:clrMapOvr>
-    <a:masterClrMapping/>
-  </p:clrMapOvr>
-</p:sld>
-</file>
-
 <file path=ppt/slides/slide8.xml><?xml version="1.0" encoding="utf-8"?>
 <p:sld xmlns:a="http://schemas.openxmlformats.org/drawingml/2006/main" xmlns:r="http://schemas.openxmlformats.org/officeDocument/2006/relationships" xmlns:p="http://schemas.openxmlformats.org/presentationml/2006/main">
   <p:cSld>
@@ -17456,8 +18423,8 @@
           <a:lstStyle/>
           <a:p>
             <a:r>
-              <a:rPr lang="en-US" dirty="0" smtClean="0"/>
-              <a:t>compilation</a:t>
+              <a:rPr lang="en-US" dirty="0" err="1" smtClean="0"/>
+              <a:t>Datatypes</a:t>
             </a:r>
             <a:endParaRPr lang="en-US" dirty="0"/>
           </a:p>
@@ -17476,30 +18443,55 @@
         <p:spPr/>
         <p:txBody>
           <a:bodyPr>
-            <a:normAutofit/>
+            <a:noAutofit/>
           </a:bodyPr>
           <a:lstStyle/>
           <a:p>
             <a:r>
+              <a:rPr lang="en-US" sz="2400" dirty="0" smtClean="0"/>
+              <a:t>There is only a single </a:t>
+            </a:r>
+            <a:r>
               <a:rPr lang="en-US" sz="2400" dirty="0" err="1" smtClean="0"/>
-              <a:t>AutoIt</a:t>
+              <a:t>datatype</a:t>
             </a:r>
             <a:r>
               <a:rPr lang="en-US" sz="2400" dirty="0" smtClean="0"/>
-              <a:t> scripts can be compiled and packaged directly into a .exe file</a:t>
+              <a:t> (called a Variant)</a:t>
             </a:r>
           </a:p>
           <a:p>
             <a:r>
               <a:rPr lang="en-US" sz="2400" dirty="0" smtClean="0"/>
-              <a:t>The compiled .exe can be run on any Windows machine</a:t>
-            </a:r>
+              <a:t>A Variant can contain any kind of data (ex. </a:t>
+            </a:r>
+            <a:r>
+              <a:rPr lang="en-US" sz="2400" dirty="0" err="1"/>
+              <a:t>i</a:t>
+            </a:r>
+            <a:r>
+              <a:rPr lang="en-US" sz="2400" dirty="0" err="1" smtClean="0"/>
+              <a:t>nt</a:t>
+            </a:r>
+            <a:r>
+              <a:rPr lang="en-US" sz="2400" dirty="0" smtClean="0"/>
+              <a:t>, string, </a:t>
+            </a:r>
+            <a:r>
+              <a:rPr lang="en-US" sz="2400" dirty="0" err="1" smtClean="0"/>
+              <a:t>bool</a:t>
+            </a:r>
+            <a:r>
+              <a:rPr lang="en-US" sz="2400" dirty="0" smtClean="0"/>
+              <a:t>)</a:t>
+            </a:r>
+            <a:endParaRPr lang="en-US" sz="2400" dirty="0" smtClean="0"/>
           </a:p>
           <a:p>
             <a:pPr lvl="1"/>
             <a:r>
               <a:rPr lang="en-US" sz="1800" dirty="0" smtClean="0"/>
-              <a:t>Even if the machine doesn’t have </a:t>
+              <a:t>This makes </a:t>
             </a:r>
             <a:r>
               <a:rPr lang="en-US" sz="1800" dirty="0" err="1" smtClean="0"/>
@@ -17507,8 +18499,66 @@
             </a:r>
             <a:r>
               <a:rPr lang="en-US" sz="1800" dirty="0" smtClean="0"/>
-              <a:t> installed</a:t>
-            </a:r>
+              <a:t> weakly typed</a:t>
+            </a:r>
+          </a:p>
+          <a:p>
+            <a:pPr lvl="2"/>
+            <a:r>
+              <a:rPr lang="en-US" sz="1600" dirty="0" smtClean="0"/>
+              <a:t>Don’t have to specify what each variable will store</a:t>
+            </a:r>
+          </a:p>
+          <a:p>
+            <a:pPr lvl="2"/>
+            <a:r>
+              <a:rPr lang="en-US" sz="1600" dirty="0" err="1" smtClean="0"/>
+              <a:t>AutoIt</a:t>
+            </a:r>
+            <a:r>
+              <a:rPr lang="en-US" sz="1600" dirty="0" smtClean="0"/>
+              <a:t> will decide how to use the data depending on situation</a:t>
+            </a:r>
+            <a:endParaRPr lang="en-US" sz="1800" dirty="0" smtClean="0"/>
+          </a:p>
+          <a:p>
+            <a:r>
+              <a:rPr lang="en-US" sz="2400" dirty="0" smtClean="0"/>
+              <a:t>Ex.</a:t>
+            </a:r>
+          </a:p>
+          <a:p>
+            <a:pPr lvl="1"/>
+            <a:r>
+              <a:rPr lang="en-US" sz="1800" dirty="0" smtClean="0"/>
+              <a:t>10 * 20 equals the number 200</a:t>
+            </a:r>
+          </a:p>
+          <a:p>
+            <a:pPr lvl="1"/>
+            <a:r>
+              <a:rPr lang="en-US" sz="1800" dirty="0" smtClean="0"/>
+              <a:t>10 * “20” equals the number 200</a:t>
+            </a:r>
+          </a:p>
+          <a:p>
+            <a:pPr lvl="1"/>
+            <a:r>
+              <a:rPr lang="en-US" sz="1800" dirty="0" smtClean="0"/>
+              <a:t>“10” * “20” equals the number 200</a:t>
+            </a:r>
+          </a:p>
+          <a:p>
+            <a:pPr lvl="1"/>
+            <a:r>
+              <a:rPr lang="en-US" sz="1800" dirty="0" smtClean="0"/>
+              <a:t>10 &amp; 20 equals the string “1020”</a:t>
+            </a:r>
+          </a:p>
+          <a:p>
+            <a:pPr marL="468630" lvl="1" indent="0">
+              <a:buNone/>
+            </a:pPr>
             <a:endParaRPr lang="en-US" sz="1800" dirty="0"/>
           </a:p>
         </p:txBody>
@@ -17516,7 +18566,223 @@
     </p:spTree>
     <p:extLst>
       <p:ext uri="{BB962C8B-B14F-4D97-AF65-F5344CB8AC3E}">
-        <p14:creationId xmlns:p14="http://schemas.microsoft.com/office/powerpoint/2010/main" val="3716742672"/>
+        <p14:creationId xmlns:p14="http://schemas.microsoft.com/office/powerpoint/2010/main" val="1304050691"/>
+      </p:ext>
+    </p:extLst>
+  </p:cSld>
+  <p:clrMapOvr>
+    <a:masterClrMapping/>
+  </p:clrMapOvr>
+</p:sld>
+</file>
+
+<file path=ppt/slides/slide9.xml><?xml version="1.0" encoding="utf-8"?>
+<p:sld xmlns:a="http://schemas.openxmlformats.org/drawingml/2006/main" xmlns:r="http://schemas.openxmlformats.org/officeDocument/2006/relationships" xmlns:p="http://schemas.openxmlformats.org/presentationml/2006/main">
+  <p:cSld>
+    <p:spTree>
+      <p:nvGrpSpPr>
+        <p:cNvPr id="1" name=""/>
+        <p:cNvGrpSpPr/>
+        <p:nvPr/>
+      </p:nvGrpSpPr>
+      <p:grpSpPr>
+        <a:xfrm>
+          <a:off x="0" y="0"/>
+          <a:ext cx="0" cy="0"/>
+          <a:chOff x="0" y="0"/>
+          <a:chExt cx="0" cy="0"/>
+        </a:xfrm>
+      </p:grpSpPr>
+      <p:sp>
+        <p:nvSpPr>
+          <p:cNvPr id="2" name="Title 1"/>
+          <p:cNvSpPr>
+            <a:spLocks noGrp="1"/>
+          </p:cNvSpPr>
+          <p:nvPr>
+            <p:ph type="title"/>
+          </p:nvPr>
+        </p:nvSpPr>
+        <p:spPr/>
+        <p:txBody>
+          <a:bodyPr/>
+          <a:lstStyle/>
+          <a:p>
+            <a:r>
+              <a:rPr lang="en-US" dirty="0" smtClean="0"/>
+              <a:t>VARIABLES</a:t>
+            </a:r>
+            <a:endParaRPr lang="en-US" dirty="0"/>
+          </a:p>
+        </p:txBody>
+      </p:sp>
+      <p:sp>
+        <p:nvSpPr>
+          <p:cNvPr id="3" name="Content Placeholder 2"/>
+          <p:cNvSpPr>
+            <a:spLocks noGrp="1"/>
+          </p:cNvSpPr>
+          <p:nvPr>
+            <p:ph idx="1"/>
+          </p:nvPr>
+        </p:nvSpPr>
+        <p:spPr>
+          <a:xfrm>
+            <a:off x="685800" y="1600200"/>
+            <a:ext cx="7772400" cy="4038599"/>
+          </a:xfrm>
+        </p:spPr>
+        <p:txBody>
+          <a:bodyPr>
+            <a:normAutofit/>
+          </a:bodyPr>
+          <a:lstStyle/>
+          <a:p>
+            <a:r>
+              <a:rPr lang="en-US" sz="2400" dirty="0" smtClean="0"/>
+              <a:t>All variable names begin with a dollar sign character </a:t>
+            </a:r>
+            <a:r>
+              <a:rPr lang="en-US" sz="2400" dirty="0" smtClean="0"/>
+              <a:t>($)</a:t>
+            </a:r>
+          </a:p>
+          <a:p>
+            <a:r>
+              <a:rPr lang="en-US" sz="2400" dirty="0" smtClean="0"/>
+              <a:t>Scope </a:t>
+            </a:r>
+            <a:r>
+              <a:rPr lang="en-US" sz="2400" dirty="0" smtClean="0"/>
+              <a:t>declaration is optional</a:t>
+            </a:r>
+          </a:p>
+          <a:p>
+            <a:pPr lvl="1"/>
+            <a:r>
+              <a:rPr lang="en-US" sz="1800" dirty="0" smtClean="0"/>
+              <a:t>Explicit declaration</a:t>
+            </a:r>
+            <a:r>
+              <a:rPr lang="en-US" dirty="0" smtClean="0"/>
+              <a:t> </a:t>
+            </a:r>
+            <a:r>
+              <a:rPr lang="en-US" sz="1800" dirty="0" smtClean="0"/>
+              <a:t>– declare the variable and its scope before use</a:t>
+            </a:r>
+          </a:p>
+          <a:p>
+            <a:pPr lvl="2"/>
+            <a:r>
+              <a:rPr lang="en-US" sz="1600" dirty="0" smtClean="0"/>
+              <a:t>Local $</a:t>
+            </a:r>
+            <a:r>
+              <a:rPr lang="en-US" sz="1600" dirty="0" err="1" smtClean="0"/>
+              <a:t>varName</a:t>
+            </a:r>
+            <a:endParaRPr lang="en-US" sz="1600" dirty="0" smtClean="0"/>
+          </a:p>
+          <a:p>
+            <a:pPr lvl="2"/>
+            <a:r>
+              <a:rPr lang="en-US" sz="1600" dirty="0" smtClean="0"/>
+              <a:t>Global $</a:t>
+            </a:r>
+            <a:r>
+              <a:rPr lang="en-US" sz="1600" dirty="0" err="1" smtClean="0"/>
+              <a:t>varName</a:t>
+            </a:r>
+            <a:endParaRPr lang="en-US" sz="1600" dirty="0" smtClean="0"/>
+          </a:p>
+          <a:p>
+            <a:pPr lvl="2"/>
+            <a:r>
+              <a:rPr lang="en-US" sz="1600" dirty="0" err="1" smtClean="0"/>
+              <a:t>Const</a:t>
+            </a:r>
+            <a:r>
+              <a:rPr lang="en-US" sz="1600" dirty="0" smtClean="0"/>
+              <a:t> $</a:t>
+            </a:r>
+            <a:r>
+              <a:rPr lang="en-US" sz="1600" dirty="0" err="1" smtClean="0"/>
+              <a:t>myConst</a:t>
+            </a:r>
+            <a:r>
+              <a:rPr lang="en-US" sz="1600" dirty="0" smtClean="0"/>
+              <a:t> = 4</a:t>
+            </a:r>
+          </a:p>
+          <a:p>
+            <a:pPr lvl="2"/>
+            <a:r>
+              <a:rPr lang="en-US" sz="1600" dirty="0" err="1" smtClean="0"/>
+              <a:t>Enum</a:t>
+            </a:r>
+            <a:r>
+              <a:rPr lang="en-US" sz="1600" dirty="0" smtClean="0"/>
+              <a:t> </a:t>
+            </a:r>
+            <a:r>
+              <a:rPr lang="en-US" sz="1600" dirty="0" smtClean="0"/>
+              <a:t>Step 2 </a:t>
+            </a:r>
+            <a:r>
+              <a:rPr lang="en-US" sz="1600" dirty="0" smtClean="0"/>
+              <a:t>$myEnum1, $myEnum2, $myEnum3</a:t>
+            </a:r>
+          </a:p>
+          <a:p>
+            <a:pPr lvl="1"/>
+            <a:r>
+              <a:rPr lang="en-US" sz="1800" dirty="0" smtClean="0"/>
+              <a:t>Implicit declaration – assign a variable without declaring it</a:t>
+            </a:r>
+          </a:p>
+          <a:p>
+            <a:pPr lvl="2"/>
+            <a:r>
+              <a:rPr lang="en-US" sz="1600" dirty="0" smtClean="0"/>
+              <a:t>$</a:t>
+            </a:r>
+            <a:r>
+              <a:rPr lang="en-US" sz="1600" dirty="0" err="1" smtClean="0"/>
+              <a:t>varName</a:t>
+            </a:r>
+            <a:r>
+              <a:rPr lang="en-US" sz="1600" dirty="0" smtClean="0"/>
+              <a:t> = “Hello World</a:t>
+            </a:r>
+            <a:r>
+              <a:rPr lang="en-US" sz="1600" dirty="0" smtClean="0"/>
+              <a:t>”</a:t>
+            </a:r>
+          </a:p>
+          <a:p>
+            <a:r>
+              <a:rPr lang="en-US" sz="2400" dirty="0" err="1" smtClean="0"/>
+              <a:t>AutoIt</a:t>
+            </a:r>
+            <a:r>
+              <a:rPr lang="en-US" sz="2400" dirty="0" smtClean="0"/>
+              <a:t> uses dynamic scoping</a:t>
+            </a:r>
+            <a:endParaRPr lang="en-US" sz="2400" dirty="0" smtClean="0"/>
+          </a:p>
+          <a:p>
+            <a:pPr marL="468630" lvl="1" indent="0">
+              <a:buNone/>
+            </a:pPr>
+            <a:endParaRPr lang="en-US" sz="2000" dirty="0"/>
+          </a:p>
+        </p:txBody>
+      </p:sp>
+    </p:spTree>
+    <p:extLst>
+      <p:ext uri="{BB962C8B-B14F-4D97-AF65-F5344CB8AC3E}">
+        <p14:creationId xmlns:p14="http://schemas.microsoft.com/office/powerpoint/2010/main" val="560829331"/>
       </p:ext>
     </p:extLst>
   </p:cSld>
